--- a/R/スライド/第32回.pptx
+++ b/R/スライド/第32回.pptx
@@ -10,10 +10,11 @@
     <p:sldId id="259" r:id="rId4"/>
     <p:sldId id="260" r:id="rId5"/>
     <p:sldId id="261" r:id="rId6"/>
-    <p:sldId id="262" r:id="rId7"/>
-    <p:sldId id="266" r:id="rId8"/>
-    <p:sldId id="264" r:id="rId9"/>
-    <p:sldId id="265" r:id="rId10"/>
+    <p:sldId id="267" r:id="rId7"/>
+    <p:sldId id="262" r:id="rId8"/>
+    <p:sldId id="266" r:id="rId9"/>
+    <p:sldId id="264" r:id="rId10"/>
+    <p:sldId id="265" r:id="rId11"/>
   </p:sldIdLst>
   <p:sldSz cx="12192000" cy="6858000"/>
   <p:notesSz cx="6858000" cy="9144000"/>
@@ -1008,7 +1009,7 @@
           <a:p>
             <a:fld id="{5ABEB4D2-D167-CC4D-A92F-83A5450ECB41}" type="datetimeFigureOut">
               <a:rPr kumimoji="1" lang="ja-JP" altLang="en-US" smtClean="0"/>
-              <a:t>2023/9/27</a:t>
+              <a:t>2023/9/30</a:t>
             </a:fld>
             <a:endParaRPr kumimoji="1" lang="ja-JP" altLang="en-US"/>
           </a:p>
@@ -1238,7 +1239,7 @@
           <a:p>
             <a:fld id="{5ABEB4D2-D167-CC4D-A92F-83A5450ECB41}" type="datetimeFigureOut">
               <a:rPr kumimoji="1" lang="ja-JP" altLang="en-US" smtClean="0"/>
-              <a:t>2023/9/27</a:t>
+              <a:t>2023/9/30</a:t>
             </a:fld>
             <a:endParaRPr kumimoji="1" lang="ja-JP" altLang="en-US"/>
           </a:p>
@@ -1478,7 +1479,7 @@
           <a:p>
             <a:fld id="{5ABEB4D2-D167-CC4D-A92F-83A5450ECB41}" type="datetimeFigureOut">
               <a:rPr kumimoji="1" lang="ja-JP" altLang="en-US" smtClean="0"/>
-              <a:t>2023/9/27</a:t>
+              <a:t>2023/9/30</a:t>
             </a:fld>
             <a:endParaRPr kumimoji="1" lang="ja-JP" altLang="en-US"/>
           </a:p>
@@ -1708,7 +1709,7 @@
           <a:p>
             <a:fld id="{5ABEB4D2-D167-CC4D-A92F-83A5450ECB41}" type="datetimeFigureOut">
               <a:rPr kumimoji="1" lang="ja-JP" altLang="en-US" smtClean="0"/>
-              <a:t>2023/9/27</a:t>
+              <a:t>2023/9/30</a:t>
             </a:fld>
             <a:endParaRPr kumimoji="1" lang="ja-JP" altLang="en-US"/>
           </a:p>
@@ -1983,7 +1984,7 @@
           <a:p>
             <a:fld id="{5ABEB4D2-D167-CC4D-A92F-83A5450ECB41}" type="datetimeFigureOut">
               <a:rPr kumimoji="1" lang="ja-JP" altLang="en-US" smtClean="0"/>
-              <a:t>2023/9/27</a:t>
+              <a:t>2023/9/30</a:t>
             </a:fld>
             <a:endParaRPr kumimoji="1" lang="ja-JP" altLang="en-US"/>
           </a:p>
@@ -2312,7 +2313,7 @@
           <a:p>
             <a:fld id="{5ABEB4D2-D167-CC4D-A92F-83A5450ECB41}" type="datetimeFigureOut">
               <a:rPr kumimoji="1" lang="ja-JP" altLang="en-US" smtClean="0"/>
-              <a:t>2023/9/27</a:t>
+              <a:t>2023/9/30</a:t>
             </a:fld>
             <a:endParaRPr kumimoji="1" lang="ja-JP" altLang="en-US"/>
           </a:p>
@@ -2788,7 +2789,7 @@
           <a:p>
             <a:fld id="{5ABEB4D2-D167-CC4D-A92F-83A5450ECB41}" type="datetimeFigureOut">
               <a:rPr kumimoji="1" lang="ja-JP" altLang="en-US" smtClean="0"/>
-              <a:t>2023/9/27</a:t>
+              <a:t>2023/9/30</a:t>
             </a:fld>
             <a:endParaRPr kumimoji="1" lang="ja-JP" altLang="en-US"/>
           </a:p>
@@ -2929,7 +2930,7 @@
           <a:p>
             <a:fld id="{5ABEB4D2-D167-CC4D-A92F-83A5450ECB41}" type="datetimeFigureOut">
               <a:rPr kumimoji="1" lang="ja-JP" altLang="en-US" smtClean="0"/>
-              <a:t>2023/9/27</a:t>
+              <a:t>2023/9/30</a:t>
             </a:fld>
             <a:endParaRPr kumimoji="1" lang="ja-JP" altLang="en-US"/>
           </a:p>
@@ -3042,7 +3043,7 @@
           <a:p>
             <a:fld id="{5ABEB4D2-D167-CC4D-A92F-83A5450ECB41}" type="datetimeFigureOut">
               <a:rPr kumimoji="1" lang="ja-JP" altLang="en-US" smtClean="0"/>
-              <a:t>2023/9/27</a:t>
+              <a:t>2023/9/30</a:t>
             </a:fld>
             <a:endParaRPr kumimoji="1" lang="ja-JP" altLang="en-US"/>
           </a:p>
@@ -3385,7 +3386,7 @@
           <a:p>
             <a:fld id="{5ABEB4D2-D167-CC4D-A92F-83A5450ECB41}" type="datetimeFigureOut">
               <a:rPr kumimoji="1" lang="ja-JP" altLang="en-US" smtClean="0"/>
-              <a:t>2023/9/27</a:t>
+              <a:t>2023/9/30</a:t>
             </a:fld>
             <a:endParaRPr kumimoji="1" lang="ja-JP" altLang="en-US"/>
           </a:p>
@@ -3673,7 +3674,7 @@
           <a:p>
             <a:fld id="{5ABEB4D2-D167-CC4D-A92F-83A5450ECB41}" type="datetimeFigureOut">
               <a:rPr kumimoji="1" lang="ja-JP" altLang="en-US" smtClean="0"/>
-              <a:t>2023/9/27</a:t>
+              <a:t>2023/9/30</a:t>
             </a:fld>
             <a:endParaRPr kumimoji="1" lang="ja-JP" altLang="en-US"/>
           </a:p>
@@ -3946,7 +3947,7 @@
           <a:p>
             <a:fld id="{5ABEB4D2-D167-CC4D-A92F-83A5450ECB41}" type="datetimeFigureOut">
               <a:rPr kumimoji="1" lang="ja-JP" altLang="en-US" smtClean="0"/>
-              <a:t>2023/9/27</a:t>
+              <a:t>2023/9/30</a:t>
             </a:fld>
             <a:endParaRPr kumimoji="1" lang="ja-JP" altLang="en-US"/>
           </a:p>
@@ -4428,6 +4429,202 @@
     <p:extLst>
       <p:ext uri="{BB962C8B-B14F-4D97-AF65-F5344CB8AC3E}">
         <p14:creationId xmlns:p14="http://schemas.microsoft.com/office/powerpoint/2010/main" val="3669137468"/>
+      </p:ext>
+    </p:extLst>
+  </p:cSld>
+  <p:clrMapOvr>
+    <a:masterClrMapping/>
+  </p:clrMapOvr>
+</p:sld>
+</file>
+
+<file path=ppt/slides/slide10.xml><?xml version="1.0" encoding="utf-8"?>
+<p:sld xmlns:a="http://schemas.openxmlformats.org/drawingml/2006/main" xmlns:r="http://schemas.openxmlformats.org/officeDocument/2006/relationships" xmlns:p="http://schemas.openxmlformats.org/presentationml/2006/main">
+  <p:cSld>
+    <p:spTree>
+      <p:nvGrpSpPr>
+        <p:cNvPr id="1" name=""/>
+        <p:cNvGrpSpPr/>
+        <p:nvPr/>
+      </p:nvGrpSpPr>
+      <p:grpSpPr>
+        <a:xfrm>
+          <a:off x="0" y="0"/>
+          <a:ext cx="0" cy="0"/>
+          <a:chOff x="0" y="0"/>
+          <a:chExt cx="0" cy="0"/>
+        </a:xfrm>
+      </p:grpSpPr>
+      <p:sp>
+        <p:nvSpPr>
+          <p:cNvPr id="2" name="タイトル 1">
+            <a:extLst>
+              <a:ext uri="{FF2B5EF4-FFF2-40B4-BE49-F238E27FC236}">
+                <a16:creationId xmlns:a16="http://schemas.microsoft.com/office/drawing/2014/main" id="{3C3CD2A4-5164-0C71-3A79-02B4864BFBDE}"/>
+              </a:ext>
+            </a:extLst>
+          </p:cNvPr>
+          <p:cNvSpPr>
+            <a:spLocks noGrp="1"/>
+          </p:cNvSpPr>
+          <p:nvPr>
+            <p:ph type="title"/>
+          </p:nvPr>
+        </p:nvSpPr>
+        <p:spPr/>
+        <p:txBody>
+          <a:bodyPr/>
+          <a:lstStyle/>
+          <a:p>
+            <a:r>
+              <a:rPr kumimoji="1" lang="en-US" altLang="ja-JP"/>
+              <a:t>R</a:t>
+            </a:r>
+            <a:r>
+              <a:rPr kumimoji="1" lang="ja-JP" altLang="en-US"/>
+              <a:t>で正則化実践</a:t>
+            </a:r>
+          </a:p>
+        </p:txBody>
+      </p:sp>
+      <p:sp>
+        <p:nvSpPr>
+          <p:cNvPr id="3" name="コンテンツ プレースホルダー 2">
+            <a:extLst>
+              <a:ext uri="{FF2B5EF4-FFF2-40B4-BE49-F238E27FC236}">
+                <a16:creationId xmlns:a16="http://schemas.microsoft.com/office/drawing/2014/main" id="{F23448A0-64B6-27A3-0496-62E637CAF58B}"/>
+              </a:ext>
+            </a:extLst>
+          </p:cNvPr>
+          <p:cNvSpPr>
+            <a:spLocks noGrp="1"/>
+          </p:cNvSpPr>
+          <p:nvPr>
+            <p:ph idx="1"/>
+          </p:nvPr>
+        </p:nvSpPr>
+        <p:spPr/>
+        <p:txBody>
+          <a:bodyPr/>
+          <a:lstStyle/>
+          <a:p>
+            <a:r>
+              <a:rPr lang="ja-JP" altLang="en-US"/>
+              <a:t>パッケージ</a:t>
+            </a:r>
+            <a:r>
+              <a:rPr lang="en-US" altLang="ja-JP" dirty="0" err="1"/>
+              <a:t>glmnet</a:t>
+            </a:r>
+            <a:r>
+              <a:rPr lang="ja-JP" altLang="en-US"/>
+              <a:t>にある</a:t>
+            </a:r>
+            <a:r>
+              <a:rPr lang="en-US" altLang="ja-JP" dirty="0" err="1"/>
+              <a:t>cv.glmnet</a:t>
+            </a:r>
+            <a:r>
+              <a:rPr lang="ja-JP" altLang="en-US"/>
+              <a:t>関数で正則化回帰ができる．</a:t>
+            </a:r>
+            <a:endParaRPr lang="en-US" altLang="ja-JP" dirty="0"/>
+          </a:p>
+          <a:p>
+            <a:pPr lvl="1"/>
+            <a:r>
+              <a:rPr lang="ja-JP" altLang="en-US"/>
+              <a:t>引数のオプション</a:t>
+            </a:r>
+            <a:r>
+              <a:rPr lang="en-US" altLang="ja-JP" dirty="0"/>
+              <a:t>α</a:t>
+            </a:r>
+            <a:r>
+              <a:rPr lang="ja-JP" altLang="en-US"/>
+              <a:t>を</a:t>
+            </a:r>
+            <a:r>
+              <a:rPr lang="en-US" altLang="ja-JP" dirty="0"/>
+              <a:t>1</a:t>
+            </a:r>
+            <a:r>
+              <a:rPr lang="ja-JP" altLang="en-US"/>
+              <a:t>にすると</a:t>
+            </a:r>
+            <a:r>
+              <a:rPr lang="en-US" altLang="ja-JP" dirty="0"/>
+              <a:t>Lasso</a:t>
+            </a:r>
+            <a:r>
+              <a:rPr lang="ja-JP" altLang="en-US"/>
+              <a:t>回帰、</a:t>
+            </a:r>
+            <a:r>
+              <a:rPr lang="en-US" altLang="ja-JP" dirty="0"/>
+              <a:t>α</a:t>
+            </a:r>
+            <a:r>
+              <a:rPr lang="ja-JP" altLang="en-US"/>
+              <a:t>を</a:t>
+            </a:r>
+            <a:r>
+              <a:rPr lang="en-US" altLang="ja-JP" dirty="0"/>
+              <a:t>0</a:t>
+            </a:r>
+            <a:r>
+              <a:rPr lang="ja-JP" altLang="en-US"/>
+              <a:t>にすると</a:t>
+            </a:r>
+            <a:r>
+              <a:rPr lang="en-US" altLang="ja-JP" dirty="0"/>
+              <a:t>Ridge</a:t>
+            </a:r>
+            <a:r>
+              <a:rPr lang="ja-JP" altLang="en-US"/>
+              <a:t>回帰、</a:t>
+            </a:r>
+            <a:r>
+              <a:rPr lang="en-US" altLang="ja-JP" dirty="0"/>
+              <a:t>0</a:t>
+            </a:r>
+            <a:r>
+              <a:rPr lang="ja-JP" altLang="en-US"/>
+              <a:t>＜</a:t>
+            </a:r>
+            <a:r>
+              <a:rPr lang="en-US" altLang="ja-JP" dirty="0"/>
+              <a:t>α</a:t>
+            </a:r>
+            <a:r>
+              <a:rPr lang="ja-JP" altLang="en-US"/>
+              <a:t>＜</a:t>
+            </a:r>
+            <a:r>
+              <a:rPr lang="en-US" altLang="ja-JP" dirty="0"/>
+              <a:t>1</a:t>
+            </a:r>
+            <a:r>
+              <a:rPr lang="ja-JP" altLang="en-US"/>
+              <a:t>にするとエラスティックネットとなる．</a:t>
+            </a:r>
+            <a:endParaRPr lang="en-US" altLang="ja-JP" dirty="0"/>
+          </a:p>
+          <a:p>
+            <a:endParaRPr lang="en-US" altLang="ja-JP" dirty="0"/>
+          </a:p>
+          <a:p>
+            <a:r>
+              <a:rPr kumimoji="1" lang="ja-JP" altLang="en-US"/>
+              <a:t>データを自作してラッソ回帰、リッジ回帰してみよう．</a:t>
+            </a:r>
+          </a:p>
+        </p:txBody>
+      </p:sp>
+    </p:spTree>
+    <p:extLst>
+      <p:ext uri="{BB962C8B-B14F-4D97-AF65-F5344CB8AC3E}">
+        <p14:creationId xmlns:p14="http://schemas.microsoft.com/office/powerpoint/2010/main" val="1232461504"/>
       </p:ext>
     </p:extLst>
   </p:cSld>
@@ -6111,7 +6308,7 @@
         <p:spPr/>
         <p:txBody>
           <a:bodyPr>
-            <a:normAutofit fontScale="62500" lnSpcReduction="20000"/>
+            <a:normAutofit/>
           </a:bodyPr>
           <a:lstStyle/>
           <a:p>
@@ -6159,323 +6356,6 @@
             <a:r>
               <a:rPr lang="ja-JP" altLang="en-US"/>
               <a:t>損失関数を単純に最小化すると過適合になるので、ペナルティ項を追加する．→これが正則化</a:t>
-            </a:r>
-            <a:endParaRPr lang="en-US" altLang="ja-JP" dirty="0"/>
-          </a:p>
-          <a:p>
-            <a:pPr marL="0" indent="0">
-              <a:buNone/>
-            </a:pPr>
-            <a:endParaRPr lang="en-US" altLang="ja-JP" dirty="0"/>
-          </a:p>
-          <a:p>
-            <a:r>
-              <a:rPr lang="ja-JP" altLang="en-US"/>
-              <a:t>線形回帰モデル</a:t>
-            </a:r>
-            <a:r>
-              <a:rPr lang="en-US" altLang="ja-JP" dirty="0"/>
-              <a:t>(</a:t>
-            </a:r>
-            <a:r>
-              <a:rPr lang="ja-JP" altLang="en-US"/>
-              <a:t>説明変数</a:t>
-            </a:r>
-            <a:r>
-              <a:rPr lang="en-US" altLang="ja-JP" dirty="0"/>
-              <a:t>x</a:t>
-            </a:r>
-            <a:r>
-              <a:rPr lang="en-US" altLang="ja-JP" baseline="-25000" dirty="0"/>
-              <a:t>1</a:t>
-            </a:r>
-            <a:r>
-              <a:rPr lang="en-US" altLang="ja-JP" dirty="0"/>
-              <a:t>, x</a:t>
-            </a:r>
-            <a:r>
-              <a:rPr lang="en-US" altLang="ja-JP" baseline="-25000" dirty="0"/>
-              <a:t>2</a:t>
-            </a:r>
-            <a:r>
-              <a:rPr lang="ja-JP" altLang="en-US"/>
-              <a:t>、目的変数</a:t>
-            </a:r>
-            <a:r>
-              <a:rPr lang="en-US" altLang="ja-JP" dirty="0"/>
-              <a:t>y)</a:t>
-            </a:r>
-            <a:r>
-              <a:rPr lang="ja-JP" altLang="en-US"/>
-              <a:t>を例にすると、回帰式が以下の時、</a:t>
-            </a:r>
-            <a:endParaRPr lang="en-US" altLang="ja-JP" dirty="0"/>
-          </a:p>
-          <a:p>
-            <a:pPr lvl="1"/>
-            <a:r>
-              <a:rPr lang="en-US" altLang="ja-JP" dirty="0"/>
-              <a:t>y^ = β</a:t>
-            </a:r>
-            <a:r>
-              <a:rPr lang="en-US" altLang="ja-JP" baseline="-25000" dirty="0"/>
-              <a:t>0</a:t>
-            </a:r>
-            <a:r>
-              <a:rPr lang="ja-JP" altLang="en-US"/>
-              <a:t>＋</a:t>
-            </a:r>
-            <a:r>
-              <a:rPr lang="en-US" altLang="ja-JP" dirty="0"/>
-              <a:t>β</a:t>
-            </a:r>
-            <a:r>
-              <a:rPr lang="en-US" altLang="ja-JP" baseline="-25000" dirty="0"/>
-              <a:t>1 </a:t>
-            </a:r>
-            <a:r>
-              <a:rPr lang="en-US" altLang="ja-JP" dirty="0"/>
-              <a:t>x</a:t>
-            </a:r>
-            <a:r>
-              <a:rPr lang="en-US" altLang="ja-JP" baseline="-25000" dirty="0"/>
-              <a:t>1</a:t>
-            </a:r>
-            <a:r>
-              <a:rPr lang="ja-JP" altLang="en-US"/>
-              <a:t> ＋</a:t>
-            </a:r>
-            <a:r>
-              <a:rPr lang="en-US" altLang="ja-JP" dirty="0"/>
-              <a:t>β</a:t>
-            </a:r>
-            <a:r>
-              <a:rPr lang="en-US" altLang="ja-JP" baseline="-25000" dirty="0"/>
-              <a:t>2 </a:t>
-            </a:r>
-            <a:r>
-              <a:rPr lang="en-US" altLang="ja-JP" dirty="0"/>
-              <a:t>x</a:t>
-            </a:r>
-            <a:r>
-              <a:rPr lang="en-US" altLang="ja-JP" baseline="-25000" dirty="0"/>
-              <a:t>2</a:t>
-            </a:r>
-          </a:p>
-          <a:p>
-            <a:pPr marL="0" indent="0">
-              <a:buNone/>
-            </a:pPr>
-            <a:r>
-              <a:rPr lang="ja-JP" altLang="en-US"/>
-              <a:t>　</a:t>
-            </a:r>
-            <a:r>
-              <a:rPr lang="en-US" altLang="ja-JP" dirty="0" err="1"/>
-              <a:t>i</a:t>
-            </a:r>
-            <a:r>
-              <a:rPr lang="ja-JP" altLang="en-US"/>
-              <a:t>を一つ一つのデータとして残差平方和</a:t>
-            </a:r>
-            <a:r>
-              <a:rPr lang="en-US" altLang="ja-JP" dirty="0" err="1"/>
-              <a:t>Σ</a:t>
-            </a:r>
-            <a:r>
-              <a:rPr lang="en-US" altLang="ja-JP" dirty="0"/>
-              <a:t>(</a:t>
-            </a:r>
-            <a:r>
-              <a:rPr lang="en-US" altLang="ja-JP" dirty="0" err="1"/>
-              <a:t>y</a:t>
-            </a:r>
-            <a:r>
-              <a:rPr lang="en-US" altLang="ja-JP" baseline="-25000" dirty="0" err="1"/>
-              <a:t>i</a:t>
-            </a:r>
-            <a:r>
-              <a:rPr lang="en-US" altLang="ja-JP" dirty="0" err="1"/>
-              <a:t>-y</a:t>
-            </a:r>
-            <a:r>
-              <a:rPr lang="en-US" altLang="ja-JP" baseline="-25000" dirty="0" err="1"/>
-              <a:t>i</a:t>
-            </a:r>
-            <a:r>
-              <a:rPr lang="en-US" altLang="ja-JP" baseline="30000" dirty="0"/>
-              <a:t>^</a:t>
-            </a:r>
-            <a:r>
-              <a:rPr lang="en-US" altLang="ja-JP" dirty="0"/>
-              <a:t>)</a:t>
-            </a:r>
-            <a:r>
-              <a:rPr lang="en-US" altLang="ja-JP" baseline="30000" dirty="0"/>
-              <a:t>2</a:t>
-            </a:r>
-            <a:r>
-              <a:rPr lang="ja-JP" altLang="en-US"/>
-              <a:t>が最小になる</a:t>
-            </a:r>
-            <a:r>
-              <a:rPr lang="en-US" altLang="ja-JP" dirty="0"/>
-              <a:t>β</a:t>
-            </a:r>
-            <a:r>
-              <a:rPr lang="en-US" altLang="ja-JP" baseline="-25000" dirty="0"/>
-              <a:t>j</a:t>
-            </a:r>
-            <a:r>
-              <a:rPr lang="en-US" altLang="ja-JP" dirty="0"/>
-              <a:t>(j=0,1,2)</a:t>
-            </a:r>
-            <a:r>
-              <a:rPr lang="ja-JP" altLang="en-US"/>
-              <a:t>を推定する．</a:t>
-            </a:r>
-            <a:endParaRPr lang="en-US" altLang="ja-JP" dirty="0"/>
-          </a:p>
-          <a:p>
-            <a:pPr marL="0" indent="0">
-              <a:buNone/>
-            </a:pPr>
-            <a:r>
-              <a:rPr lang="ja-JP" altLang="en-US"/>
-              <a:t>　正則化を行う場合、残差平方和だけでなくペナルティ項を含めた以下を最小化する．</a:t>
-            </a:r>
-            <a:endParaRPr lang="en-US" altLang="ja-JP" dirty="0"/>
-          </a:p>
-          <a:p>
-            <a:pPr marL="0" indent="0">
-              <a:buNone/>
-            </a:pPr>
-            <a:r>
-              <a:rPr lang="en-US" altLang="ja-JP" dirty="0"/>
-              <a:t>	 </a:t>
-            </a:r>
-            <a:r>
-              <a:rPr lang="en-US" altLang="ja-JP" dirty="0" err="1"/>
-              <a:t>Σ</a:t>
-            </a:r>
-            <a:r>
-              <a:rPr lang="en-US" altLang="ja-JP" dirty="0"/>
-              <a:t>(</a:t>
-            </a:r>
-            <a:r>
-              <a:rPr lang="en-US" altLang="ja-JP" dirty="0" err="1"/>
-              <a:t>y</a:t>
-            </a:r>
-            <a:r>
-              <a:rPr lang="en-US" altLang="ja-JP" baseline="-25000" dirty="0" err="1"/>
-              <a:t>i</a:t>
-            </a:r>
-            <a:r>
-              <a:rPr lang="en-US" altLang="ja-JP" dirty="0" err="1"/>
-              <a:t>-y</a:t>
-            </a:r>
-            <a:r>
-              <a:rPr lang="en-US" altLang="ja-JP" baseline="-25000" dirty="0" err="1"/>
-              <a:t>i</a:t>
-            </a:r>
-            <a:r>
-              <a:rPr lang="en-US" altLang="ja-JP" baseline="30000" dirty="0"/>
-              <a:t>^</a:t>
-            </a:r>
-            <a:r>
-              <a:rPr lang="en-US" altLang="ja-JP" dirty="0"/>
-              <a:t>)</a:t>
-            </a:r>
-            <a:r>
-              <a:rPr lang="en-US" altLang="ja-JP" baseline="30000" dirty="0"/>
-              <a:t>2 </a:t>
-            </a:r>
-            <a:r>
-              <a:rPr lang="en-US" altLang="ja-JP" dirty="0"/>
-              <a:t>+ </a:t>
-            </a:r>
-            <a:r>
-              <a:rPr lang="en-US" altLang="ja-JP" dirty="0" err="1"/>
-              <a:t>λ</a:t>
-            </a:r>
-            <a:r>
-              <a:rPr lang="en-US" altLang="ja-JP" i="1" dirty="0" err="1"/>
-              <a:t>R</a:t>
-            </a:r>
-            <a:r>
-              <a:rPr lang="en-US" altLang="ja-JP" i="1" dirty="0"/>
-              <a:t> </a:t>
-            </a:r>
-            <a:r>
-              <a:rPr lang="en-US" altLang="ja-JP" dirty="0"/>
-              <a:t>(β</a:t>
-            </a:r>
-            <a:r>
-              <a:rPr lang="en-US" altLang="ja-JP" baseline="-25000" dirty="0"/>
-              <a:t>j</a:t>
-            </a:r>
-            <a:r>
-              <a:rPr lang="en-US" altLang="ja-JP" dirty="0"/>
-              <a:t> )</a:t>
-            </a:r>
-          </a:p>
-          <a:p>
-            <a:pPr marL="0" indent="0">
-              <a:buNone/>
-            </a:pPr>
-            <a:r>
-              <a:rPr lang="ja-JP" altLang="en-US"/>
-              <a:t>　関数</a:t>
-            </a:r>
-            <a:r>
-              <a:rPr lang="en-US" altLang="ja-JP" i="1" dirty="0"/>
-              <a:t>R </a:t>
-            </a:r>
-            <a:r>
-              <a:rPr lang="ja-JP" altLang="en-US"/>
-              <a:t>は係数の絶対値の和（</a:t>
-            </a:r>
-            <a:r>
-              <a:rPr lang="en-US" altLang="ja-JP" dirty="0"/>
-              <a:t>L1</a:t>
-            </a:r>
-            <a:r>
-              <a:rPr lang="ja-JP" altLang="en-US"/>
-              <a:t>ノルム、</a:t>
-            </a:r>
-            <a:r>
-              <a:rPr lang="en-US" altLang="ja-JP" dirty="0"/>
-              <a:t>Lasso</a:t>
-            </a:r>
-            <a:r>
-              <a:rPr lang="ja-JP" altLang="en-US"/>
-              <a:t>回帰）もしくは二乗和（</a:t>
-            </a:r>
-            <a:r>
-              <a:rPr lang="en-US" altLang="ja-JP" dirty="0"/>
-              <a:t>L2</a:t>
-            </a:r>
-            <a:r>
-              <a:rPr lang="ja-JP" altLang="en-US"/>
-              <a:t>ノルム、</a:t>
-            </a:r>
-            <a:r>
-              <a:rPr lang="en-US" altLang="ja-JP" dirty="0"/>
-              <a:t>Ridge</a:t>
-            </a:r>
-            <a:r>
-              <a:rPr lang="ja-JP" altLang="en-US"/>
-              <a:t>回帰）</a:t>
-            </a:r>
-            <a:endParaRPr lang="en-US" altLang="ja-JP" dirty="0"/>
-          </a:p>
-          <a:p>
-            <a:pPr marL="0" indent="0">
-              <a:buNone/>
-            </a:pPr>
-            <a:r>
-              <a:rPr lang="ja-JP" altLang="en-US"/>
-              <a:t>　とすることが多い．</a:t>
             </a:r>
             <a:endParaRPr lang="en-US" altLang="ja-JP" dirty="0"/>
           </a:p>
@@ -6507,6 +6387,421 @@
 </file>
 
 <file path=ppt/slides/slide6.xml><?xml version="1.0" encoding="utf-8"?>
+<p:sld xmlns:a="http://schemas.openxmlformats.org/drawingml/2006/main" xmlns:r="http://schemas.openxmlformats.org/officeDocument/2006/relationships" xmlns:p="http://schemas.openxmlformats.org/presentationml/2006/main">
+  <p:cSld>
+    <p:spTree>
+      <p:nvGrpSpPr>
+        <p:cNvPr id="1" name=""/>
+        <p:cNvGrpSpPr/>
+        <p:nvPr/>
+      </p:nvGrpSpPr>
+      <p:grpSpPr>
+        <a:xfrm>
+          <a:off x="0" y="0"/>
+          <a:ext cx="0" cy="0"/>
+          <a:chOff x="0" y="0"/>
+          <a:chExt cx="0" cy="0"/>
+        </a:xfrm>
+      </p:grpSpPr>
+      <p:sp>
+        <p:nvSpPr>
+          <p:cNvPr id="2" name="タイトル 1">
+            <a:extLst>
+              <a:ext uri="{FF2B5EF4-FFF2-40B4-BE49-F238E27FC236}">
+                <a16:creationId xmlns:a16="http://schemas.microsoft.com/office/drawing/2014/main" id="{E98C0105-B16B-80AF-C32B-2A83155BE3D3}"/>
+              </a:ext>
+            </a:extLst>
+          </p:cNvPr>
+          <p:cNvSpPr>
+            <a:spLocks noGrp="1"/>
+          </p:cNvSpPr>
+          <p:nvPr>
+            <p:ph type="title"/>
+          </p:nvPr>
+        </p:nvSpPr>
+        <p:spPr/>
+        <p:txBody>
+          <a:bodyPr/>
+          <a:lstStyle/>
+          <a:p>
+            <a:r>
+              <a:rPr kumimoji="1" lang="ja-JP" altLang="en-US"/>
+              <a:t>ペナルティ項と最小化</a:t>
+            </a:r>
+          </a:p>
+        </p:txBody>
+      </p:sp>
+      <p:sp>
+        <p:nvSpPr>
+          <p:cNvPr id="3" name="コンテンツ プレースホルダー 2">
+            <a:extLst>
+              <a:ext uri="{FF2B5EF4-FFF2-40B4-BE49-F238E27FC236}">
+                <a16:creationId xmlns:a16="http://schemas.microsoft.com/office/drawing/2014/main" id="{4AF28512-37F2-0516-4E54-5E3BE63A2E72}"/>
+              </a:ext>
+            </a:extLst>
+          </p:cNvPr>
+          <p:cNvSpPr>
+            <a:spLocks noGrp="1"/>
+          </p:cNvSpPr>
+          <p:nvPr>
+            <p:ph idx="1"/>
+          </p:nvPr>
+        </p:nvSpPr>
+        <p:spPr/>
+        <p:txBody>
+          <a:bodyPr>
+            <a:normAutofit fontScale="92500" lnSpcReduction="20000"/>
+          </a:bodyPr>
+          <a:lstStyle/>
+          <a:p>
+            <a:r>
+              <a:rPr lang="ja-JP" altLang="en-US"/>
+              <a:t>線形回帰モデル</a:t>
+            </a:r>
+            <a:r>
+              <a:rPr lang="en-US" altLang="ja-JP" dirty="0"/>
+              <a:t>(</a:t>
+            </a:r>
+            <a:r>
+              <a:rPr lang="ja-JP" altLang="en-US"/>
+              <a:t>説明変数</a:t>
+            </a:r>
+            <a:r>
+              <a:rPr lang="en-US" altLang="ja-JP" dirty="0"/>
+              <a:t>x</a:t>
+            </a:r>
+            <a:r>
+              <a:rPr lang="en-US" altLang="ja-JP" baseline="-25000" dirty="0"/>
+              <a:t>1</a:t>
+            </a:r>
+            <a:r>
+              <a:rPr lang="en-US" altLang="ja-JP" dirty="0"/>
+              <a:t>, x</a:t>
+            </a:r>
+            <a:r>
+              <a:rPr lang="en-US" altLang="ja-JP" baseline="-25000" dirty="0"/>
+              <a:t>2</a:t>
+            </a:r>
+            <a:r>
+              <a:rPr lang="ja-JP" altLang="en-US"/>
+              <a:t>、目的変数</a:t>
+            </a:r>
+            <a:r>
+              <a:rPr lang="en-US" altLang="ja-JP" dirty="0"/>
+              <a:t>y)</a:t>
+            </a:r>
+            <a:r>
+              <a:rPr lang="ja-JP" altLang="en-US"/>
+              <a:t>を例にすると、回帰式が以下の時、</a:t>
+            </a:r>
+            <a:endParaRPr lang="en-US" altLang="ja-JP" dirty="0"/>
+          </a:p>
+          <a:p>
+            <a:pPr lvl="1"/>
+            <a:r>
+              <a:rPr lang="en-US" altLang="ja-JP" dirty="0"/>
+              <a:t>y^ = β</a:t>
+            </a:r>
+            <a:r>
+              <a:rPr lang="en-US" altLang="ja-JP" baseline="-25000" dirty="0"/>
+              <a:t>0</a:t>
+            </a:r>
+            <a:r>
+              <a:rPr lang="ja-JP" altLang="en-US"/>
+              <a:t>＋</a:t>
+            </a:r>
+            <a:r>
+              <a:rPr lang="en-US" altLang="ja-JP" dirty="0"/>
+              <a:t>β</a:t>
+            </a:r>
+            <a:r>
+              <a:rPr lang="en-US" altLang="ja-JP" baseline="-25000" dirty="0"/>
+              <a:t>1 </a:t>
+            </a:r>
+            <a:r>
+              <a:rPr lang="en-US" altLang="ja-JP" dirty="0"/>
+              <a:t>x</a:t>
+            </a:r>
+            <a:r>
+              <a:rPr lang="en-US" altLang="ja-JP" baseline="-25000" dirty="0"/>
+              <a:t>1</a:t>
+            </a:r>
+            <a:r>
+              <a:rPr lang="ja-JP" altLang="en-US"/>
+              <a:t> ＋</a:t>
+            </a:r>
+            <a:r>
+              <a:rPr lang="en-US" altLang="ja-JP" dirty="0"/>
+              <a:t>β</a:t>
+            </a:r>
+            <a:r>
+              <a:rPr lang="en-US" altLang="ja-JP" baseline="-25000" dirty="0"/>
+              <a:t>2 </a:t>
+            </a:r>
+            <a:r>
+              <a:rPr lang="en-US" altLang="ja-JP" dirty="0"/>
+              <a:t>x</a:t>
+            </a:r>
+            <a:r>
+              <a:rPr lang="en-US" altLang="ja-JP" baseline="-25000" dirty="0"/>
+              <a:t>2</a:t>
+            </a:r>
+          </a:p>
+          <a:p>
+            <a:pPr marL="0" indent="0">
+              <a:buNone/>
+            </a:pPr>
+            <a:r>
+              <a:rPr lang="ja-JP" altLang="en-US"/>
+              <a:t>　</a:t>
+            </a:r>
+            <a:r>
+              <a:rPr lang="en-US" altLang="ja-JP" dirty="0" err="1"/>
+              <a:t>i</a:t>
+            </a:r>
+            <a:r>
+              <a:rPr lang="ja-JP" altLang="en-US"/>
+              <a:t>を一つ一つのデータとして残差平方和</a:t>
+            </a:r>
+            <a:r>
+              <a:rPr lang="en-US" altLang="ja-JP" dirty="0" err="1"/>
+              <a:t>Σ</a:t>
+            </a:r>
+            <a:r>
+              <a:rPr lang="en-US" altLang="ja-JP" dirty="0"/>
+              <a:t>(</a:t>
+            </a:r>
+            <a:r>
+              <a:rPr lang="en-US" altLang="ja-JP" dirty="0" err="1"/>
+              <a:t>y</a:t>
+            </a:r>
+            <a:r>
+              <a:rPr lang="en-US" altLang="ja-JP" baseline="-25000" dirty="0" err="1"/>
+              <a:t>i</a:t>
+            </a:r>
+            <a:r>
+              <a:rPr lang="en-US" altLang="ja-JP" dirty="0"/>
+              <a:t> − </a:t>
+            </a:r>
+            <a:r>
+              <a:rPr lang="en-US" altLang="ja-JP" dirty="0" err="1"/>
+              <a:t>y</a:t>
+            </a:r>
+            <a:r>
+              <a:rPr lang="en-US" altLang="ja-JP" baseline="-25000" dirty="0" err="1"/>
+              <a:t>i</a:t>
+            </a:r>
+            <a:r>
+              <a:rPr lang="en-US" altLang="ja-JP" baseline="30000" dirty="0"/>
+              <a:t>^</a:t>
+            </a:r>
+            <a:r>
+              <a:rPr lang="en-US" altLang="ja-JP" dirty="0"/>
+              <a:t>)</a:t>
+            </a:r>
+            <a:r>
+              <a:rPr lang="en-US" altLang="ja-JP" baseline="30000" dirty="0"/>
+              <a:t>2</a:t>
+            </a:r>
+            <a:r>
+              <a:rPr lang="ja-JP" altLang="en-US"/>
+              <a:t>が最小になる</a:t>
+            </a:r>
+            <a:r>
+              <a:rPr lang="en-US" altLang="ja-JP" dirty="0"/>
+              <a:t>β</a:t>
+            </a:r>
+            <a:r>
+              <a:rPr lang="en-US" altLang="ja-JP" baseline="-25000" dirty="0"/>
+              <a:t>j</a:t>
+            </a:r>
+            <a:r>
+              <a:rPr lang="en-US" altLang="ja-JP" dirty="0"/>
+              <a:t>(j=0,1,2)</a:t>
+            </a:r>
+            <a:r>
+              <a:rPr lang="ja-JP" altLang="en-US"/>
+              <a:t>を推定する．</a:t>
+            </a:r>
+            <a:endParaRPr lang="en-US" altLang="ja-JP" dirty="0"/>
+          </a:p>
+          <a:p>
+            <a:pPr marL="0" indent="0">
+              <a:buNone/>
+            </a:pPr>
+            <a:endParaRPr lang="en-US" altLang="ja-JP" dirty="0"/>
+          </a:p>
+          <a:p>
+            <a:pPr marL="0" indent="0">
+              <a:buNone/>
+            </a:pPr>
+            <a:r>
+              <a:rPr lang="ja-JP" altLang="en-US"/>
+              <a:t>　正則化を行う場合、残差平方和だけでなくペナルティ項を含めた以下を最小化する．</a:t>
+            </a:r>
+            <a:endParaRPr lang="en-US" altLang="ja-JP" dirty="0"/>
+          </a:p>
+          <a:p>
+            <a:pPr marL="0" indent="0">
+              <a:buNone/>
+            </a:pPr>
+            <a:r>
+              <a:rPr lang="en-US" altLang="ja-JP" dirty="0"/>
+              <a:t>	 </a:t>
+            </a:r>
+            <a:r>
+              <a:rPr lang="en-US" altLang="ja-JP" dirty="0" err="1"/>
+              <a:t>Σ</a:t>
+            </a:r>
+            <a:r>
+              <a:rPr lang="en-US" altLang="ja-JP" dirty="0"/>
+              <a:t>(</a:t>
+            </a:r>
+            <a:r>
+              <a:rPr lang="en-US" altLang="ja-JP" dirty="0" err="1"/>
+              <a:t>y</a:t>
+            </a:r>
+            <a:r>
+              <a:rPr lang="en-US" altLang="ja-JP" baseline="-25000" dirty="0" err="1"/>
+              <a:t>i</a:t>
+            </a:r>
+            <a:r>
+              <a:rPr lang="en-US" altLang="ja-JP" dirty="0" err="1"/>
+              <a:t>−y</a:t>
+            </a:r>
+            <a:r>
+              <a:rPr lang="en-US" altLang="ja-JP" baseline="-25000" dirty="0" err="1"/>
+              <a:t>i</a:t>
+            </a:r>
+            <a:r>
+              <a:rPr lang="en-US" altLang="ja-JP" baseline="30000" dirty="0"/>
+              <a:t>^</a:t>
+            </a:r>
+            <a:r>
+              <a:rPr lang="en-US" altLang="ja-JP" dirty="0"/>
+              <a:t>)</a:t>
+            </a:r>
+            <a:r>
+              <a:rPr lang="en-US" altLang="ja-JP" baseline="30000" dirty="0"/>
+              <a:t>2 </a:t>
+            </a:r>
+            <a:r>
+              <a:rPr lang="en-US" altLang="ja-JP" dirty="0"/>
+              <a:t>+ </a:t>
+            </a:r>
+            <a:r>
+              <a:rPr lang="en-US" altLang="ja-JP" dirty="0" err="1"/>
+              <a:t>λ</a:t>
+            </a:r>
+            <a:r>
+              <a:rPr lang="en-US" altLang="ja-JP" i="1" dirty="0" err="1"/>
+              <a:t>R</a:t>
+            </a:r>
+            <a:r>
+              <a:rPr lang="en-US" altLang="ja-JP" i="1" dirty="0"/>
+              <a:t> </a:t>
+            </a:r>
+            <a:r>
+              <a:rPr lang="en-US" altLang="ja-JP" dirty="0"/>
+              <a:t>(β</a:t>
+            </a:r>
+            <a:r>
+              <a:rPr lang="en-US" altLang="ja-JP" baseline="-25000" dirty="0"/>
+              <a:t>j</a:t>
+            </a:r>
+            <a:r>
+              <a:rPr lang="en-US" altLang="ja-JP" dirty="0"/>
+              <a:t> )</a:t>
+            </a:r>
+          </a:p>
+          <a:p>
+            <a:pPr marL="0" indent="0">
+              <a:buNone/>
+            </a:pPr>
+            <a:r>
+              <a:rPr lang="ja-JP" altLang="en-US"/>
+              <a:t>　関数</a:t>
+            </a:r>
+            <a:r>
+              <a:rPr lang="en-US" altLang="ja-JP" i="1" dirty="0"/>
+              <a:t>R </a:t>
+            </a:r>
+            <a:r>
+              <a:rPr lang="ja-JP" altLang="en-US"/>
+              <a:t>は係数の絶対値の和（</a:t>
+            </a:r>
+            <a:r>
+              <a:rPr lang="en-US" altLang="ja-JP" dirty="0"/>
+              <a:t>L1</a:t>
+            </a:r>
+            <a:r>
+              <a:rPr lang="ja-JP" altLang="en-US"/>
+              <a:t>ノルム、</a:t>
+            </a:r>
+            <a:r>
+              <a:rPr lang="en-US" altLang="ja-JP" dirty="0"/>
+              <a:t>Lasso</a:t>
+            </a:r>
+            <a:r>
+              <a:rPr lang="ja-JP" altLang="en-US"/>
+              <a:t>回帰）もしくは二乗和（</a:t>
+            </a:r>
+            <a:r>
+              <a:rPr lang="en-US" altLang="ja-JP" dirty="0"/>
+              <a:t>L2</a:t>
+            </a:r>
+            <a:r>
+              <a:rPr lang="ja-JP" altLang="en-US"/>
+              <a:t>ノルム、</a:t>
+            </a:r>
+            <a:r>
+              <a:rPr lang="en-US" altLang="ja-JP" dirty="0"/>
+              <a:t>Ridge</a:t>
+            </a:r>
+            <a:r>
+              <a:rPr lang="ja-JP" altLang="en-US"/>
+              <a:t>回帰）</a:t>
+            </a:r>
+            <a:endParaRPr lang="en-US" altLang="ja-JP" dirty="0"/>
+          </a:p>
+          <a:p>
+            <a:pPr marL="0" indent="0">
+              <a:buNone/>
+            </a:pPr>
+            <a:r>
+              <a:rPr lang="ja-JP" altLang="en-US"/>
+              <a:t>　とすることが多い．</a:t>
+            </a:r>
+            <a:endParaRPr lang="en-US" altLang="ja-JP" dirty="0"/>
+          </a:p>
+          <a:p>
+            <a:endParaRPr lang="en-US" altLang="ja-JP" dirty="0"/>
+          </a:p>
+          <a:p>
+            <a:pPr marL="0" indent="0">
+              <a:buNone/>
+            </a:pPr>
+            <a:endParaRPr lang="en-US" altLang="ja-JP" dirty="0"/>
+          </a:p>
+          <a:p>
+            <a:endParaRPr kumimoji="1" lang="ja-JP" altLang="en-US"/>
+          </a:p>
+        </p:txBody>
+      </p:sp>
+    </p:spTree>
+    <p:extLst>
+      <p:ext uri="{BB962C8B-B14F-4D97-AF65-F5344CB8AC3E}">
+        <p14:creationId xmlns:p14="http://schemas.microsoft.com/office/powerpoint/2010/main" val="211555895"/>
+      </p:ext>
+    </p:extLst>
+  </p:cSld>
+  <p:clrMapOvr>
+    <a:masterClrMapping/>
+  </p:clrMapOvr>
+</p:sld>
+</file>
+
+<file path=ppt/slides/slide7.xml><?xml version="1.0" encoding="utf-8"?>
 <p:sld xmlns:a="http://schemas.openxmlformats.org/drawingml/2006/main" xmlns:r="http://schemas.openxmlformats.org/officeDocument/2006/relationships" xmlns:p="http://schemas.openxmlformats.org/presentationml/2006/main">
   <p:cSld>
     <p:spTree>
@@ -6784,12 +7079,189 @@
           </a:fontRef>
         </p:style>
       </p:cxnSp>
-      <p:sp>
-        <p:nvSpPr>
-          <p:cNvPr id="11" name="円/楕円 10">
-            <a:extLst>
-              <a:ext uri="{FF2B5EF4-FFF2-40B4-BE49-F238E27FC236}">
-                <a16:creationId xmlns:a16="http://schemas.microsoft.com/office/drawing/2014/main" id="{E10DA9F7-B7BA-D2A9-4DB0-B61EA2A6E36D}"/>
+      <p:cxnSp>
+        <p:nvCxnSpPr>
+          <p:cNvPr id="16" name="直線矢印コネクタ 15">
+            <a:extLst>
+              <a:ext uri="{FF2B5EF4-FFF2-40B4-BE49-F238E27FC236}">
+                <a16:creationId xmlns:a16="http://schemas.microsoft.com/office/drawing/2014/main" id="{4207B144-C1AA-9A40-7774-0453354B8162}"/>
+              </a:ext>
+            </a:extLst>
+          </p:cNvPr>
+          <p:cNvCxnSpPr>
+            <a:cxnSpLocks/>
+            <a:stCxn id="17" idx="2"/>
+          </p:cNvCxnSpPr>
+          <p:nvPr/>
+        </p:nvCxnSpPr>
+        <p:spPr>
+          <a:xfrm flipH="1">
+            <a:off x="10549412" y="1581201"/>
+            <a:ext cx="457721" cy="1221949"/>
+          </a:xfrm>
+          <a:prstGeom prst="straightConnector1">
+            <a:avLst/>
+          </a:prstGeom>
+          <a:ln>
+            <a:tailEnd type="triangle"/>
+          </a:ln>
+        </p:spPr>
+        <p:style>
+          <a:lnRef idx="1">
+            <a:schemeClr val="accent6"/>
+          </a:lnRef>
+          <a:fillRef idx="0">
+            <a:schemeClr val="accent6"/>
+          </a:fillRef>
+          <a:effectRef idx="0">
+            <a:schemeClr val="accent6"/>
+          </a:effectRef>
+          <a:fontRef idx="minor">
+            <a:schemeClr val="tx1"/>
+          </a:fontRef>
+        </p:style>
+      </p:cxnSp>
+      <p:sp>
+        <p:nvSpPr>
+          <p:cNvPr id="17" name="テキスト ボックス 16">
+            <a:extLst>
+              <a:ext uri="{FF2B5EF4-FFF2-40B4-BE49-F238E27FC236}">
+                <a16:creationId xmlns:a16="http://schemas.microsoft.com/office/drawing/2014/main" id="{44C33030-B26D-54D8-E691-1C21918D8C86}"/>
+              </a:ext>
+            </a:extLst>
+          </p:cNvPr>
+          <p:cNvSpPr txBox="1"/>
+          <p:nvPr/>
+        </p:nvSpPr>
+        <p:spPr>
+          <a:xfrm>
+            <a:off x="10337719" y="934870"/>
+            <a:ext cx="1338828" cy="646331"/>
+          </a:xfrm>
+          <a:prstGeom prst="rect">
+            <a:avLst/>
+          </a:prstGeom>
+          <a:noFill/>
+        </p:spPr>
+        <p:txBody>
+          <a:bodyPr wrap="none" rtlCol="0">
+            <a:spAutoFit/>
+          </a:bodyPr>
+          <a:lstStyle/>
+          <a:p>
+            <a:r>
+              <a:rPr kumimoji="1" lang="ja-JP" altLang="en-US"/>
+              <a:t>損失関数の</a:t>
+            </a:r>
+            <a:endParaRPr kumimoji="1" lang="en-US" altLang="ja-JP" dirty="0"/>
+          </a:p>
+          <a:p>
+            <a:r>
+              <a:rPr lang="ja-JP" altLang="en-US"/>
+              <a:t>最小値</a:t>
+            </a:r>
+            <a:endParaRPr kumimoji="1" lang="ja-JP" altLang="en-US"/>
+          </a:p>
+        </p:txBody>
+      </p:sp>
+      <p:cxnSp>
+        <p:nvCxnSpPr>
+          <p:cNvPr id="19" name="直線矢印コネクタ 18">
+            <a:extLst>
+              <a:ext uri="{FF2B5EF4-FFF2-40B4-BE49-F238E27FC236}">
+                <a16:creationId xmlns:a16="http://schemas.microsoft.com/office/drawing/2014/main" id="{59D93B9C-B4C4-8DDA-D8D1-39184C75078A}"/>
+              </a:ext>
+            </a:extLst>
+          </p:cNvPr>
+          <p:cNvCxnSpPr>
+            <a:cxnSpLocks/>
+            <a:stCxn id="22" idx="0"/>
+          </p:cNvCxnSpPr>
+          <p:nvPr/>
+        </p:nvCxnSpPr>
+        <p:spPr>
+          <a:xfrm flipV="1">
+            <a:off x="11458282" y="4548505"/>
+            <a:ext cx="27234" cy="831953"/>
+          </a:xfrm>
+          <a:prstGeom prst="straightConnector1">
+            <a:avLst/>
+          </a:prstGeom>
+          <a:ln>
+            <a:tailEnd type="triangle"/>
+          </a:ln>
+        </p:spPr>
+        <p:style>
+          <a:lnRef idx="1">
+            <a:schemeClr val="accent6"/>
+          </a:lnRef>
+          <a:fillRef idx="0">
+            <a:schemeClr val="accent6"/>
+          </a:fillRef>
+          <a:effectRef idx="0">
+            <a:schemeClr val="accent6"/>
+          </a:effectRef>
+          <a:fontRef idx="minor">
+            <a:schemeClr val="tx1"/>
+          </a:fontRef>
+        </p:style>
+      </p:cxnSp>
+      <p:sp>
+        <p:nvSpPr>
+          <p:cNvPr id="22" name="テキスト ボックス 21">
+            <a:extLst>
+              <a:ext uri="{FF2B5EF4-FFF2-40B4-BE49-F238E27FC236}">
+                <a16:creationId xmlns:a16="http://schemas.microsoft.com/office/drawing/2014/main" id="{7631EE73-15F5-0AD5-A20B-EAA9F56EB20B}"/>
+              </a:ext>
+            </a:extLst>
+          </p:cNvPr>
+          <p:cNvSpPr txBox="1"/>
+          <p:nvPr/>
+        </p:nvSpPr>
+        <p:spPr>
+          <a:xfrm>
+            <a:off x="10673452" y="5380458"/>
+            <a:ext cx="1569660" cy="923330"/>
+          </a:xfrm>
+          <a:prstGeom prst="rect">
+            <a:avLst/>
+          </a:prstGeom>
+          <a:noFill/>
+        </p:spPr>
+        <p:txBody>
+          <a:bodyPr wrap="none" rtlCol="0">
+            <a:spAutoFit/>
+          </a:bodyPr>
+          <a:lstStyle/>
+          <a:p>
+            <a:r>
+              <a:rPr kumimoji="1" lang="ja-JP" altLang="en-US"/>
+              <a:t>損失関数が</a:t>
+            </a:r>
+            <a:endParaRPr kumimoji="1" lang="en-US" altLang="ja-JP" dirty="0"/>
+          </a:p>
+          <a:p>
+            <a:r>
+              <a:rPr kumimoji="1" lang="ja-JP" altLang="en-US"/>
+              <a:t>同じ値をとる</a:t>
+            </a:r>
+            <a:endParaRPr kumimoji="1" lang="en-US" altLang="ja-JP" dirty="0"/>
+          </a:p>
+          <a:p>
+            <a:r>
+              <a:rPr lang="ja-JP" altLang="en-US"/>
+              <a:t>等高線</a:t>
+            </a:r>
+            <a:endParaRPr kumimoji="1" lang="ja-JP" altLang="en-US"/>
+          </a:p>
+        </p:txBody>
+      </p:sp>
+      <p:sp>
+        <p:nvSpPr>
+          <p:cNvPr id="24" name="正方形/長方形 23">
+            <a:extLst>
+              <a:ext uri="{FF2B5EF4-FFF2-40B4-BE49-F238E27FC236}">
+                <a16:creationId xmlns:a16="http://schemas.microsoft.com/office/drawing/2014/main" id="{0CB38A68-B7E3-2121-4ADB-280C97736B05}"/>
               </a:ext>
             </a:extLst>
           </p:cNvPr>
@@ -6797,9 +7269,848 @@
           <p:nvPr/>
         </p:nvSpPr>
         <p:spPr>
+          <a:xfrm rot="2736866">
+            <a:off x="9071927" y="4199652"/>
+            <a:ext cx="1018828" cy="1022932"/>
+          </a:xfrm>
+          <a:prstGeom prst="rect">
+            <a:avLst/>
+          </a:prstGeom>
+          <a:noFill/>
+          <a:ln w="28575">
+            <a:solidFill>
+              <a:srgbClr val="0070C0"/>
+            </a:solidFill>
+          </a:ln>
+        </p:spPr>
+        <p:style>
+          <a:lnRef idx="2">
+            <a:schemeClr val="accent1">
+              <a:shade val="15000"/>
+            </a:schemeClr>
+          </a:lnRef>
+          <a:fillRef idx="1">
+            <a:schemeClr val="accent1"/>
+          </a:fillRef>
+          <a:effectRef idx="0">
+            <a:schemeClr val="accent1"/>
+          </a:effectRef>
+          <a:fontRef idx="minor">
+            <a:schemeClr val="lt1"/>
+          </a:fontRef>
+        </p:style>
+        <p:txBody>
+          <a:bodyPr rtlCol="0" anchor="ctr"/>
+          <a:lstStyle/>
+          <a:p>
+            <a:pPr algn="ctr"/>
+            <a:endParaRPr kumimoji="1" lang="ja-JP" altLang="en-US"/>
+          </a:p>
+        </p:txBody>
+      </p:sp>
+      <p:sp>
+        <p:nvSpPr>
+          <p:cNvPr id="25" name="正方形/長方形 24">
+            <a:extLst>
+              <a:ext uri="{FF2B5EF4-FFF2-40B4-BE49-F238E27FC236}">
+                <a16:creationId xmlns:a16="http://schemas.microsoft.com/office/drawing/2014/main" id="{7D3083C5-AE1C-BB3C-1684-2D11659F8F4F}"/>
+              </a:ext>
+            </a:extLst>
+          </p:cNvPr>
+          <p:cNvSpPr/>
+          <p:nvPr/>
+        </p:nvSpPr>
+        <p:spPr>
+          <a:xfrm rot="2736866">
+            <a:off x="8701087" y="3821106"/>
+            <a:ext cx="1760506" cy="1780022"/>
+          </a:xfrm>
+          <a:prstGeom prst="rect">
+            <a:avLst/>
+          </a:prstGeom>
+          <a:noFill/>
+          <a:ln w="28575">
+            <a:solidFill>
+              <a:srgbClr val="0070C0"/>
+            </a:solidFill>
+          </a:ln>
+        </p:spPr>
+        <p:style>
+          <a:lnRef idx="2">
+            <a:schemeClr val="accent1">
+              <a:shade val="15000"/>
+            </a:schemeClr>
+          </a:lnRef>
+          <a:fillRef idx="1">
+            <a:schemeClr val="accent1"/>
+          </a:fillRef>
+          <a:effectRef idx="0">
+            <a:schemeClr val="accent1"/>
+          </a:effectRef>
+          <a:fontRef idx="minor">
+            <a:schemeClr val="lt1"/>
+          </a:fontRef>
+        </p:style>
+        <p:txBody>
+          <a:bodyPr rtlCol="0" anchor="ctr"/>
+          <a:lstStyle/>
+          <a:p>
+            <a:pPr algn="ctr"/>
+            <a:endParaRPr kumimoji="1" lang="ja-JP" altLang="en-US"/>
+          </a:p>
+        </p:txBody>
+      </p:sp>
+      <p:grpSp>
+        <p:nvGrpSpPr>
+          <p:cNvPr id="4" name="グループ化 3">
+            <a:extLst>
+              <a:ext uri="{FF2B5EF4-FFF2-40B4-BE49-F238E27FC236}">
+                <a16:creationId xmlns:a16="http://schemas.microsoft.com/office/drawing/2014/main" id="{71C2C03A-D272-4CF2-C00B-F20A256B083A}"/>
+              </a:ext>
+            </a:extLst>
+          </p:cNvPr>
+          <p:cNvGrpSpPr/>
+          <p:nvPr/>
+        </p:nvGrpSpPr>
+        <p:grpSpPr>
+          <a:xfrm rot="20465188">
+            <a:off x="9214866" y="911759"/>
+            <a:ext cx="2573874" cy="4114593"/>
+            <a:chOff x="9622146" y="1131859"/>
+            <a:chExt cx="2421923" cy="3956241"/>
+          </a:xfrm>
+        </p:grpSpPr>
+        <p:sp>
+          <p:nvSpPr>
+            <p:cNvPr id="11" name="円/楕円 10">
+              <a:extLst>
+                <a:ext uri="{FF2B5EF4-FFF2-40B4-BE49-F238E27FC236}">
+                  <a16:creationId xmlns:a16="http://schemas.microsoft.com/office/drawing/2014/main" id="{E10DA9F7-B7BA-D2A9-4DB0-B61EA2A6E36D}"/>
+                </a:ext>
+              </a:extLst>
+            </p:cNvPr>
+            <p:cNvSpPr/>
+            <p:nvPr/>
+          </p:nvSpPr>
+          <p:spPr>
+            <a:xfrm rot="19372636">
+              <a:off x="10151337" y="1953893"/>
+              <a:ext cx="1338822" cy="2149371"/>
+            </a:xfrm>
+            <a:prstGeom prst="ellipse">
+              <a:avLst/>
+            </a:prstGeom>
+            <a:noFill/>
+            <a:ln>
+              <a:solidFill>
+                <a:srgbClr val="FF0000"/>
+              </a:solidFill>
+              <a:prstDash val="dash"/>
+            </a:ln>
+          </p:spPr>
+          <p:style>
+            <a:lnRef idx="2">
+              <a:schemeClr val="accent1">
+                <a:shade val="15000"/>
+              </a:schemeClr>
+            </a:lnRef>
+            <a:fillRef idx="1">
+              <a:schemeClr val="accent1"/>
+            </a:fillRef>
+            <a:effectRef idx="0">
+              <a:schemeClr val="accent1"/>
+            </a:effectRef>
+            <a:fontRef idx="minor">
+              <a:schemeClr val="lt1"/>
+            </a:fontRef>
+          </p:style>
+          <p:txBody>
+            <a:bodyPr rtlCol="0" anchor="ctr"/>
+            <a:lstStyle/>
+            <a:p>
+              <a:pPr algn="ctr"/>
+              <a:endParaRPr kumimoji="1" lang="ja-JP" altLang="en-US"/>
+            </a:p>
+          </p:txBody>
+        </p:sp>
+        <p:sp>
+          <p:nvSpPr>
+            <p:cNvPr id="12" name="円/楕円 11">
+              <a:extLst>
+                <a:ext uri="{FF2B5EF4-FFF2-40B4-BE49-F238E27FC236}">
+                  <a16:creationId xmlns:a16="http://schemas.microsoft.com/office/drawing/2014/main" id="{C6206C9E-BC6D-BF8A-BEE5-94E9FBF5409A}"/>
+                </a:ext>
+              </a:extLst>
+            </p:cNvPr>
+            <p:cNvSpPr/>
+            <p:nvPr/>
+          </p:nvSpPr>
+          <p:spPr>
+            <a:xfrm rot="19372636">
+              <a:off x="10431057" y="2213804"/>
+              <a:ext cx="864613" cy="1652607"/>
+            </a:xfrm>
+            <a:prstGeom prst="ellipse">
+              <a:avLst/>
+            </a:prstGeom>
+            <a:noFill/>
+            <a:ln>
+              <a:solidFill>
+                <a:srgbClr val="FF0000"/>
+              </a:solidFill>
+              <a:prstDash val="dash"/>
+            </a:ln>
+          </p:spPr>
+          <p:style>
+            <a:lnRef idx="2">
+              <a:schemeClr val="accent1">
+                <a:shade val="15000"/>
+              </a:schemeClr>
+            </a:lnRef>
+            <a:fillRef idx="1">
+              <a:schemeClr val="accent1"/>
+            </a:fillRef>
+            <a:effectRef idx="0">
+              <a:schemeClr val="accent1"/>
+            </a:effectRef>
+            <a:fontRef idx="minor">
+              <a:schemeClr val="lt1"/>
+            </a:fontRef>
+          </p:style>
+          <p:txBody>
+            <a:bodyPr rtlCol="0" anchor="ctr"/>
+            <a:lstStyle/>
+            <a:p>
+              <a:pPr algn="ctr"/>
+              <a:endParaRPr kumimoji="1" lang="ja-JP" altLang="en-US"/>
+            </a:p>
+          </p:txBody>
+        </p:sp>
+        <p:sp>
+          <p:nvSpPr>
+            <p:cNvPr id="13" name="円/楕円 12">
+              <a:extLst>
+                <a:ext uri="{FF2B5EF4-FFF2-40B4-BE49-F238E27FC236}">
+                  <a16:creationId xmlns:a16="http://schemas.microsoft.com/office/drawing/2014/main" id="{2B1B26CC-40F0-2CC1-3AB4-E4D6127CF824}"/>
+                </a:ext>
+              </a:extLst>
+            </p:cNvPr>
+            <p:cNvSpPr/>
+            <p:nvPr/>
+          </p:nvSpPr>
+          <p:spPr>
+            <a:xfrm rot="19372636">
+              <a:off x="9912501" y="1619978"/>
+              <a:ext cx="1798331" cy="2874746"/>
+            </a:xfrm>
+            <a:prstGeom prst="ellipse">
+              <a:avLst/>
+            </a:prstGeom>
+            <a:noFill/>
+            <a:ln>
+              <a:solidFill>
+                <a:srgbClr val="FF0000"/>
+              </a:solidFill>
+              <a:prstDash val="dash"/>
+            </a:ln>
+          </p:spPr>
+          <p:style>
+            <a:lnRef idx="2">
+              <a:schemeClr val="accent1">
+                <a:shade val="15000"/>
+              </a:schemeClr>
+            </a:lnRef>
+            <a:fillRef idx="1">
+              <a:schemeClr val="accent1"/>
+            </a:fillRef>
+            <a:effectRef idx="0">
+              <a:schemeClr val="accent1"/>
+            </a:effectRef>
+            <a:fontRef idx="minor">
+              <a:schemeClr val="lt1"/>
+            </a:fontRef>
+          </p:style>
+          <p:txBody>
+            <a:bodyPr rtlCol="0" anchor="ctr"/>
+            <a:lstStyle/>
+            <a:p>
+              <a:pPr algn="ctr"/>
+              <a:endParaRPr kumimoji="1" lang="ja-JP" altLang="en-US"/>
+            </a:p>
+          </p:txBody>
+        </p:sp>
+        <p:sp>
+          <p:nvSpPr>
+            <p:cNvPr id="14" name="円/楕円 13">
+              <a:extLst>
+                <a:ext uri="{FF2B5EF4-FFF2-40B4-BE49-F238E27FC236}">
+                  <a16:creationId xmlns:a16="http://schemas.microsoft.com/office/drawing/2014/main" id="{EA9DB2C4-7DB8-C1A0-BD2E-ACB0B09A81C5}"/>
+                </a:ext>
+              </a:extLst>
+            </p:cNvPr>
+            <p:cNvSpPr/>
+            <p:nvPr/>
+          </p:nvSpPr>
+          <p:spPr>
+            <a:xfrm>
+              <a:off x="10736911" y="2914828"/>
+              <a:ext cx="208775" cy="184887"/>
+            </a:xfrm>
+            <a:prstGeom prst="ellipse">
+              <a:avLst/>
+            </a:prstGeom>
+            <a:solidFill>
+              <a:srgbClr val="FF0000"/>
+            </a:solidFill>
+            <a:ln>
+              <a:noFill/>
+            </a:ln>
+          </p:spPr>
+          <p:style>
+            <a:lnRef idx="2">
+              <a:schemeClr val="accent1">
+                <a:shade val="15000"/>
+              </a:schemeClr>
+            </a:lnRef>
+            <a:fillRef idx="1">
+              <a:schemeClr val="accent1"/>
+            </a:fillRef>
+            <a:effectRef idx="0">
+              <a:schemeClr val="accent1"/>
+            </a:effectRef>
+            <a:fontRef idx="minor">
+              <a:schemeClr val="lt1"/>
+            </a:fontRef>
+          </p:style>
+          <p:txBody>
+            <a:bodyPr rtlCol="0" anchor="ctr"/>
+            <a:lstStyle/>
+            <a:p>
+              <a:pPr algn="ctr"/>
+              <a:endParaRPr kumimoji="1" lang="ja-JP" altLang="en-US"/>
+            </a:p>
+          </p:txBody>
+        </p:sp>
+        <p:sp>
+          <p:nvSpPr>
+            <p:cNvPr id="26" name="円/楕円 25">
+              <a:extLst>
+                <a:ext uri="{FF2B5EF4-FFF2-40B4-BE49-F238E27FC236}">
+                  <a16:creationId xmlns:a16="http://schemas.microsoft.com/office/drawing/2014/main" id="{8661FB76-5307-991B-2BA7-199A71560C64}"/>
+                </a:ext>
+              </a:extLst>
+            </p:cNvPr>
+            <p:cNvSpPr/>
+            <p:nvPr/>
+          </p:nvSpPr>
+          <p:spPr>
+            <a:xfrm rot="19372636">
+              <a:off x="9622146" y="1131859"/>
+              <a:ext cx="2421923" cy="3956241"/>
+            </a:xfrm>
+            <a:prstGeom prst="ellipse">
+              <a:avLst/>
+            </a:prstGeom>
+            <a:noFill/>
+            <a:ln>
+              <a:solidFill>
+                <a:srgbClr val="FF0000"/>
+              </a:solidFill>
+              <a:prstDash val="dash"/>
+            </a:ln>
+          </p:spPr>
+          <p:style>
+            <a:lnRef idx="2">
+              <a:schemeClr val="accent1">
+                <a:shade val="15000"/>
+              </a:schemeClr>
+            </a:lnRef>
+            <a:fillRef idx="1">
+              <a:schemeClr val="accent1"/>
+            </a:fillRef>
+            <a:effectRef idx="0">
+              <a:schemeClr val="accent1"/>
+            </a:effectRef>
+            <a:fontRef idx="minor">
+              <a:schemeClr val="lt1"/>
+            </a:fontRef>
+          </p:style>
+          <p:txBody>
+            <a:bodyPr rtlCol="0" anchor="ctr"/>
+            <a:lstStyle/>
+            <a:p>
+              <a:pPr algn="ctr"/>
+              <a:endParaRPr kumimoji="1" lang="ja-JP" altLang="en-US"/>
+            </a:p>
+          </p:txBody>
+        </p:sp>
+      </p:grpSp>
+      <p:sp>
+        <p:nvSpPr>
+          <p:cNvPr id="29" name="テキスト ボックス 28">
+            <a:extLst>
+              <a:ext uri="{FF2B5EF4-FFF2-40B4-BE49-F238E27FC236}">
+                <a16:creationId xmlns:a16="http://schemas.microsoft.com/office/drawing/2014/main" id="{F94A509B-70D1-11D1-7F5B-99F529040BF3}"/>
+              </a:ext>
+            </a:extLst>
+          </p:cNvPr>
+          <p:cNvSpPr txBox="1"/>
+          <p:nvPr/>
+        </p:nvSpPr>
+        <p:spPr>
+          <a:xfrm>
+            <a:off x="9331111" y="6192051"/>
+            <a:ext cx="500458" cy="369332"/>
+          </a:xfrm>
+          <a:prstGeom prst="rect">
+            <a:avLst/>
+          </a:prstGeom>
+          <a:noFill/>
+        </p:spPr>
+        <p:txBody>
+          <a:bodyPr wrap="none" rtlCol="0">
+            <a:spAutoFit/>
+          </a:bodyPr>
+          <a:lstStyle/>
+          <a:p>
+            <a:r>
+              <a:rPr kumimoji="1" lang="en-US" altLang="ja-JP"/>
+              <a:t>β</a:t>
+            </a:r>
+            <a:r>
+              <a:rPr kumimoji="1" lang="en-US" altLang="ja-JP" baseline="-25000"/>
+              <a:t>1</a:t>
+            </a:r>
+            <a:endParaRPr kumimoji="1" lang="ja-JP" altLang="en-US" baseline="-25000"/>
+          </a:p>
+        </p:txBody>
+      </p:sp>
+      <p:sp>
+        <p:nvSpPr>
+          <p:cNvPr id="31" name="テキスト ボックス 30">
+            <a:extLst>
+              <a:ext uri="{FF2B5EF4-FFF2-40B4-BE49-F238E27FC236}">
+                <a16:creationId xmlns:a16="http://schemas.microsoft.com/office/drawing/2014/main" id="{85D0CB05-212A-FC09-9977-818F8D4ED11F}"/>
+              </a:ext>
+            </a:extLst>
+          </p:cNvPr>
+          <p:cNvSpPr txBox="1"/>
+          <p:nvPr/>
+        </p:nvSpPr>
+        <p:spPr>
+          <a:xfrm>
+            <a:off x="11696046" y="4746432"/>
+            <a:ext cx="500458" cy="369332"/>
+          </a:xfrm>
+          <a:prstGeom prst="rect">
+            <a:avLst/>
+          </a:prstGeom>
+          <a:noFill/>
+        </p:spPr>
+        <p:txBody>
+          <a:bodyPr wrap="none" rtlCol="0">
+            <a:spAutoFit/>
+          </a:bodyPr>
+          <a:lstStyle/>
+          <a:p>
+            <a:r>
+              <a:rPr kumimoji="1" lang="en-US" altLang="ja-JP"/>
+              <a:t>β</a:t>
+            </a:r>
+            <a:r>
+              <a:rPr kumimoji="1" lang="en-US" altLang="ja-JP" baseline="-25000"/>
+              <a:t>2</a:t>
+            </a:r>
+            <a:endParaRPr kumimoji="1" lang="ja-JP" altLang="en-US" baseline="-25000"/>
+          </a:p>
+        </p:txBody>
+      </p:sp>
+      <p:sp>
+        <p:nvSpPr>
+          <p:cNvPr id="32" name="円/楕円 31">
+            <a:extLst>
+              <a:ext uri="{FF2B5EF4-FFF2-40B4-BE49-F238E27FC236}">
+                <a16:creationId xmlns:a16="http://schemas.microsoft.com/office/drawing/2014/main" id="{5D51340F-8C64-EB18-D5BB-7FA35501757D}"/>
+              </a:ext>
+            </a:extLst>
+          </p:cNvPr>
+          <p:cNvSpPr/>
+          <p:nvPr/>
+        </p:nvSpPr>
+        <p:spPr>
+          <a:xfrm>
+            <a:off x="9480415" y="3359510"/>
+            <a:ext cx="208775" cy="184887"/>
+          </a:xfrm>
+          <a:prstGeom prst="ellipse">
+            <a:avLst/>
+          </a:prstGeom>
+          <a:solidFill>
+            <a:srgbClr val="00B050"/>
+          </a:solidFill>
+          <a:ln>
+            <a:noFill/>
+          </a:ln>
+        </p:spPr>
+        <p:style>
+          <a:lnRef idx="2">
+            <a:schemeClr val="accent1">
+              <a:shade val="15000"/>
+            </a:schemeClr>
+          </a:lnRef>
+          <a:fillRef idx="1">
+            <a:schemeClr val="accent1"/>
+          </a:fillRef>
+          <a:effectRef idx="0">
+            <a:schemeClr val="accent1"/>
+          </a:effectRef>
+          <a:fontRef idx="minor">
+            <a:schemeClr val="lt1"/>
+          </a:fontRef>
+        </p:style>
+        <p:txBody>
+          <a:bodyPr rtlCol="0" anchor="ctr"/>
+          <a:lstStyle/>
+          <a:p>
+            <a:pPr algn="ctr"/>
+            <a:endParaRPr kumimoji="1" lang="ja-JP" altLang="en-US"/>
+          </a:p>
+        </p:txBody>
+      </p:sp>
+    </p:spTree>
+    <p:extLst>
+      <p:ext uri="{BB962C8B-B14F-4D97-AF65-F5344CB8AC3E}">
+        <p14:creationId xmlns:p14="http://schemas.microsoft.com/office/powerpoint/2010/main" val="1685965935"/>
+      </p:ext>
+    </p:extLst>
+  </p:cSld>
+  <p:clrMapOvr>
+    <a:masterClrMapping/>
+  </p:clrMapOvr>
+</p:sld>
+</file>
+
+<file path=ppt/slides/slide8.xml><?xml version="1.0" encoding="utf-8"?>
+<p:sld xmlns:a="http://schemas.openxmlformats.org/drawingml/2006/main" xmlns:r="http://schemas.openxmlformats.org/officeDocument/2006/relationships" xmlns:p="http://schemas.openxmlformats.org/presentationml/2006/main">
+  <p:cSld>
+    <p:spTree>
+      <p:nvGrpSpPr>
+        <p:cNvPr id="1" name=""/>
+        <p:cNvGrpSpPr/>
+        <p:nvPr/>
+      </p:nvGrpSpPr>
+      <p:grpSpPr>
+        <a:xfrm>
+          <a:off x="0" y="0"/>
+          <a:ext cx="0" cy="0"/>
+          <a:chOff x="0" y="0"/>
+          <a:chExt cx="0" cy="0"/>
+        </a:xfrm>
+      </p:grpSpPr>
+      <p:sp>
+        <p:nvSpPr>
+          <p:cNvPr id="2" name="タイトル 1">
+            <a:extLst>
+              <a:ext uri="{FF2B5EF4-FFF2-40B4-BE49-F238E27FC236}">
+                <a16:creationId xmlns:a16="http://schemas.microsoft.com/office/drawing/2014/main" id="{BCAE2A3D-850B-CD00-D101-A7ACEB1DFDCF}"/>
+              </a:ext>
+            </a:extLst>
+          </p:cNvPr>
+          <p:cNvSpPr>
+            <a:spLocks noGrp="1"/>
+          </p:cNvSpPr>
+          <p:nvPr>
+            <p:ph type="title"/>
+          </p:nvPr>
+        </p:nvSpPr>
+        <p:spPr/>
+        <p:txBody>
+          <a:bodyPr/>
+          <a:lstStyle/>
+          <a:p>
+            <a:r>
+              <a:rPr kumimoji="1" lang="ja-JP" altLang="en-US"/>
+              <a:t>リッジ</a:t>
+            </a:r>
+            <a:r>
+              <a:rPr kumimoji="1" lang="en-US" altLang="ja-JP"/>
+              <a:t>(Ridge)</a:t>
+            </a:r>
+            <a:r>
+              <a:rPr kumimoji="1" lang="ja-JP" altLang="en-US"/>
+              <a:t>回帰</a:t>
+            </a:r>
+          </a:p>
+        </p:txBody>
+      </p:sp>
+      <p:sp>
+        <p:nvSpPr>
+          <p:cNvPr id="3" name="コンテンツ プレースホルダー 2">
+            <a:extLst>
+              <a:ext uri="{FF2B5EF4-FFF2-40B4-BE49-F238E27FC236}">
+                <a16:creationId xmlns:a16="http://schemas.microsoft.com/office/drawing/2014/main" id="{84D4350F-6D30-C4B4-86D5-66EC244050FE}"/>
+              </a:ext>
+            </a:extLst>
+          </p:cNvPr>
+          <p:cNvSpPr>
+            <a:spLocks noGrp="1"/>
+          </p:cNvSpPr>
+          <p:nvPr>
+            <p:ph idx="1"/>
+          </p:nvPr>
+        </p:nvSpPr>
+        <p:spPr>
+          <a:xfrm>
+            <a:off x="838200" y="1825625"/>
+            <a:ext cx="7239104" cy="4351338"/>
+          </a:xfrm>
+        </p:spPr>
+        <p:txBody>
+          <a:bodyPr>
+            <a:normAutofit fontScale="85000" lnSpcReduction="20000"/>
+          </a:bodyPr>
+          <a:lstStyle/>
+          <a:p>
+            <a:r>
+              <a:rPr kumimoji="1" lang="ja-JP" altLang="en-US"/>
+              <a:t>ペナルティ項</a:t>
+            </a:r>
+            <a:r>
+              <a:rPr lang="ja-JP" altLang="en-US"/>
+              <a:t>が各説明変数の係数の二乗和（係数ベクトルの</a:t>
+            </a:r>
+            <a:r>
+              <a:rPr lang="en-US" altLang="ja-JP"/>
+              <a:t>L2</a:t>
+            </a:r>
+            <a:r>
+              <a:rPr lang="ja-JP" altLang="en-US"/>
+              <a:t>距離、ユークリッド距離）</a:t>
+            </a:r>
+            <a:endParaRPr kumimoji="1" lang="ja-JP" altLang="en-US"/>
+          </a:p>
+          <a:p>
+            <a:endParaRPr lang="en-US" altLang="ja-JP"/>
+          </a:p>
+          <a:p>
+            <a:r>
+              <a:rPr lang="ja-JP" altLang="en-US"/>
+              <a:t>線形回帰の場合、損失関数にペナルティ項を入れた最小化の対象は</a:t>
+            </a:r>
+            <a:endParaRPr lang="en-US" altLang="ja-JP"/>
+          </a:p>
+          <a:p>
+            <a:pPr marL="0" indent="0">
+              <a:buNone/>
+            </a:pPr>
+            <a:r>
+              <a:rPr lang="en-US" altLang="ja-JP"/>
+              <a:t>		</a:t>
+            </a:r>
+            <a:r>
+              <a:rPr lang="en-US" altLang="ja-JP" err="1"/>
+              <a:t>Σ</a:t>
+            </a:r>
+            <a:r>
+              <a:rPr lang="en-US" altLang="ja-JP"/>
+              <a:t>(</a:t>
+            </a:r>
+            <a:r>
+              <a:rPr lang="en-US" altLang="ja-JP" err="1"/>
+              <a:t>y</a:t>
+            </a:r>
+            <a:r>
+              <a:rPr lang="en-US" altLang="ja-JP" baseline="-25000" err="1"/>
+              <a:t>i</a:t>
+            </a:r>
+            <a:r>
+              <a:rPr lang="en-US" altLang="ja-JP" err="1"/>
+              <a:t>-y</a:t>
+            </a:r>
+            <a:r>
+              <a:rPr lang="en-US" altLang="ja-JP" baseline="-25000" err="1"/>
+              <a:t>i</a:t>
+            </a:r>
+            <a:r>
+              <a:rPr lang="en-US" altLang="ja-JP" baseline="30000"/>
+              <a:t>^</a:t>
+            </a:r>
+            <a:r>
+              <a:rPr lang="en-US" altLang="ja-JP"/>
+              <a:t>)</a:t>
+            </a:r>
+            <a:r>
+              <a:rPr lang="en-US" altLang="ja-JP" baseline="30000"/>
+              <a:t>2 </a:t>
+            </a:r>
+            <a:r>
+              <a:rPr lang="en-US" altLang="ja-JP"/>
+              <a:t>+ </a:t>
+            </a:r>
+            <a:r>
+              <a:rPr lang="en-US" altLang="ja-JP" err="1"/>
+              <a:t>λΣ</a:t>
+            </a:r>
+            <a:r>
+              <a:rPr lang="ja-JP" altLang="en-US"/>
+              <a:t> </a:t>
+            </a:r>
+            <a:r>
+              <a:rPr lang="en-US" altLang="ja-JP"/>
+              <a:t>β</a:t>
+            </a:r>
+            <a:r>
+              <a:rPr lang="en-US" altLang="ja-JP" baseline="-25000"/>
+              <a:t>j</a:t>
+            </a:r>
+            <a:r>
+              <a:rPr lang="en-US" altLang="ja-JP"/>
+              <a:t> </a:t>
+            </a:r>
+            <a:r>
+              <a:rPr lang="en-US" altLang="ja-JP" baseline="30000"/>
+              <a:t>2</a:t>
+            </a:r>
+          </a:p>
+          <a:p>
+            <a:pPr lvl="1"/>
+            <a:r>
+              <a:rPr kumimoji="1" lang="en-US" altLang="ja-JP" err="1"/>
+              <a:t>λ</a:t>
+            </a:r>
+            <a:r>
+              <a:rPr kumimoji="1" lang="ja-JP" altLang="en-US"/>
+              <a:t>の代わりに</a:t>
+            </a:r>
+            <a:r>
+              <a:rPr kumimoji="1" lang="en-US" altLang="ja-JP" err="1"/>
+              <a:t>λ</a:t>
+            </a:r>
+            <a:r>
+              <a:rPr kumimoji="1" lang="en-US" altLang="ja-JP"/>
+              <a:t>/2</a:t>
+            </a:r>
+            <a:r>
+              <a:rPr kumimoji="1" lang="ja-JP" altLang="en-US"/>
+              <a:t>と定式化する場合もある．</a:t>
+            </a:r>
+            <a:endParaRPr kumimoji="1" lang="en-US" altLang="ja-JP"/>
+          </a:p>
+          <a:p>
+            <a:endParaRPr kumimoji="1" lang="en-US" altLang="ja-JP"/>
+          </a:p>
+          <a:p>
+            <a:r>
+              <a:rPr kumimoji="1" lang="ja-JP" altLang="en-US"/>
+              <a:t>説明変数の係数の大きさを小さくする傾向がある．</a:t>
+            </a:r>
+          </a:p>
+          <a:p>
+            <a:endParaRPr lang="en-US" altLang="ja-JP"/>
+          </a:p>
+          <a:p>
+            <a:r>
+              <a:rPr lang="ja-JP" altLang="en-US"/>
+              <a:t>損失関数の等高線とペナルティ項とが接したところで最小化がされる．</a:t>
+            </a:r>
+            <a:endParaRPr lang="en-US" altLang="ja-JP"/>
+          </a:p>
+        </p:txBody>
+      </p:sp>
+      <p:cxnSp>
+        <p:nvCxnSpPr>
+          <p:cNvPr id="5" name="直線コネクタ 4">
+            <a:extLst>
+              <a:ext uri="{FF2B5EF4-FFF2-40B4-BE49-F238E27FC236}">
+                <a16:creationId xmlns:a16="http://schemas.microsoft.com/office/drawing/2014/main" id="{9013C663-B6D8-D05E-AEE3-F29DD92E6565}"/>
+              </a:ext>
+            </a:extLst>
+          </p:cNvPr>
+          <p:cNvCxnSpPr>
+            <a:cxnSpLocks/>
+          </p:cNvCxnSpPr>
+          <p:nvPr/>
+        </p:nvCxnSpPr>
+        <p:spPr>
+          <a:xfrm>
+            <a:off x="8113986" y="4719143"/>
+            <a:ext cx="3752193" cy="0"/>
+          </a:xfrm>
+          <a:prstGeom prst="line">
+            <a:avLst/>
+          </a:prstGeom>
+          <a:ln w="19050"/>
+        </p:spPr>
+        <p:style>
+          <a:lnRef idx="1">
+            <a:schemeClr val="dk1"/>
+          </a:lnRef>
+          <a:fillRef idx="0">
+            <a:schemeClr val="dk1"/>
+          </a:fillRef>
+          <a:effectRef idx="0">
+            <a:schemeClr val="dk1"/>
+          </a:effectRef>
+          <a:fontRef idx="minor">
+            <a:schemeClr val="tx1"/>
+          </a:fontRef>
+        </p:style>
+      </p:cxnSp>
+      <p:cxnSp>
+        <p:nvCxnSpPr>
+          <p:cNvPr id="6" name="直線コネクタ 5">
+            <a:extLst>
+              <a:ext uri="{FF2B5EF4-FFF2-40B4-BE49-F238E27FC236}">
+                <a16:creationId xmlns:a16="http://schemas.microsoft.com/office/drawing/2014/main" id="{15F4E034-3BA8-AC61-3229-BFB5F008DEA7}"/>
+              </a:ext>
+            </a:extLst>
+          </p:cNvPr>
+          <p:cNvCxnSpPr>
+            <a:cxnSpLocks/>
+          </p:cNvCxnSpPr>
+          <p:nvPr/>
+        </p:nvCxnSpPr>
+        <p:spPr>
+          <a:xfrm flipV="1">
+            <a:off x="9585435" y="1954924"/>
+            <a:ext cx="0" cy="4222039"/>
+          </a:xfrm>
+          <a:prstGeom prst="line">
+            <a:avLst/>
+          </a:prstGeom>
+          <a:ln w="19050"/>
+        </p:spPr>
+        <p:style>
+          <a:lnRef idx="1">
+            <a:schemeClr val="dk1"/>
+          </a:lnRef>
+          <a:fillRef idx="0">
+            <a:schemeClr val="dk1"/>
+          </a:fillRef>
+          <a:effectRef idx="0">
+            <a:schemeClr val="dk1"/>
+          </a:effectRef>
+          <a:fontRef idx="minor">
+            <a:schemeClr val="tx1"/>
+          </a:fontRef>
+        </p:style>
+      </p:cxnSp>
+      <p:sp>
+        <p:nvSpPr>
+          <p:cNvPr id="11" name="円/楕円 10">
+            <a:extLst>
+              <a:ext uri="{FF2B5EF4-FFF2-40B4-BE49-F238E27FC236}">
+                <a16:creationId xmlns:a16="http://schemas.microsoft.com/office/drawing/2014/main" id="{E10DA9F7-B7BA-D2A9-4DB0-B61EA2A6E36D}"/>
+              </a:ext>
+            </a:extLst>
+          </p:cNvPr>
+          <p:cNvSpPr/>
+          <p:nvPr/>
+        </p:nvSpPr>
+        <p:spPr>
           <a:xfrm rot="19372636">
-            <a:off x="10151337" y="1953893"/>
-            <a:ext cx="1338822" cy="2149371"/>
+            <a:off x="10099908" y="1971162"/>
+            <a:ext cx="1405674" cy="2178033"/>
           </a:xfrm>
           <a:prstGeom prst="ellipse">
             <a:avLst/>
@@ -7174,110 +8485,6 @@
       </p:sp>
       <p:sp>
         <p:nvSpPr>
-          <p:cNvPr id="24" name="正方形/長方形 23">
-            <a:extLst>
-              <a:ext uri="{FF2B5EF4-FFF2-40B4-BE49-F238E27FC236}">
-                <a16:creationId xmlns:a16="http://schemas.microsoft.com/office/drawing/2014/main" id="{0CB38A68-B7E3-2121-4ADB-280C97736B05}"/>
-              </a:ext>
-            </a:extLst>
-          </p:cNvPr>
-          <p:cNvSpPr/>
-          <p:nvPr/>
-        </p:nvSpPr>
-        <p:spPr>
-          <a:xfrm rot="2736866">
-            <a:off x="9071927" y="4199652"/>
-            <a:ext cx="1018828" cy="1022932"/>
-          </a:xfrm>
-          <a:prstGeom prst="rect">
-            <a:avLst/>
-          </a:prstGeom>
-          <a:noFill/>
-          <a:ln w="28575">
-            <a:solidFill>
-              <a:srgbClr val="0070C0"/>
-            </a:solidFill>
-          </a:ln>
-        </p:spPr>
-        <p:style>
-          <a:lnRef idx="2">
-            <a:schemeClr val="accent1">
-              <a:shade val="15000"/>
-            </a:schemeClr>
-          </a:lnRef>
-          <a:fillRef idx="1">
-            <a:schemeClr val="accent1"/>
-          </a:fillRef>
-          <a:effectRef idx="0">
-            <a:schemeClr val="accent1"/>
-          </a:effectRef>
-          <a:fontRef idx="minor">
-            <a:schemeClr val="lt1"/>
-          </a:fontRef>
-        </p:style>
-        <p:txBody>
-          <a:bodyPr rtlCol="0" anchor="ctr"/>
-          <a:lstStyle/>
-          <a:p>
-            <a:pPr algn="ctr"/>
-            <a:endParaRPr kumimoji="1" lang="ja-JP" altLang="en-US"/>
-          </a:p>
-        </p:txBody>
-      </p:sp>
-      <p:sp>
-        <p:nvSpPr>
-          <p:cNvPr id="25" name="正方形/長方形 24">
-            <a:extLst>
-              <a:ext uri="{FF2B5EF4-FFF2-40B4-BE49-F238E27FC236}">
-                <a16:creationId xmlns:a16="http://schemas.microsoft.com/office/drawing/2014/main" id="{7D3083C5-AE1C-BB3C-1684-2D11659F8F4F}"/>
-              </a:ext>
-            </a:extLst>
-          </p:cNvPr>
-          <p:cNvSpPr/>
-          <p:nvPr/>
-        </p:nvSpPr>
-        <p:spPr>
-          <a:xfrm rot="2736866">
-            <a:off x="8701087" y="3821106"/>
-            <a:ext cx="1760506" cy="1780022"/>
-          </a:xfrm>
-          <a:prstGeom prst="rect">
-            <a:avLst/>
-          </a:prstGeom>
-          <a:noFill/>
-          <a:ln w="28575">
-            <a:solidFill>
-              <a:srgbClr val="0070C0"/>
-            </a:solidFill>
-          </a:ln>
-        </p:spPr>
-        <p:style>
-          <a:lnRef idx="2">
-            <a:schemeClr val="accent1">
-              <a:shade val="15000"/>
-            </a:schemeClr>
-          </a:lnRef>
-          <a:fillRef idx="1">
-            <a:schemeClr val="accent1"/>
-          </a:fillRef>
-          <a:effectRef idx="0">
-            <a:schemeClr val="accent1"/>
-          </a:effectRef>
-          <a:fontRef idx="minor">
-            <a:schemeClr val="lt1"/>
-          </a:fontRef>
-        </p:style>
-        <p:txBody>
-          <a:bodyPr rtlCol="0" anchor="ctr"/>
-          <a:lstStyle/>
-          <a:p>
-            <a:pPr algn="ctr"/>
-            <a:endParaRPr kumimoji="1" lang="ja-JP" altLang="en-US"/>
-          </a:p>
-        </p:txBody>
-      </p:sp>
-      <p:sp>
-        <p:nvSpPr>
           <p:cNvPr id="26" name="円/楕円 25">
             <a:extLst>
               <a:ext uri="{FF2B5EF4-FFF2-40B4-BE49-F238E27FC236}">
@@ -7411,897 +8618,6 @@
       </p:sp>
       <p:sp>
         <p:nvSpPr>
-          <p:cNvPr id="32" name="円/楕円 31">
-            <a:extLst>
-              <a:ext uri="{FF2B5EF4-FFF2-40B4-BE49-F238E27FC236}">
-                <a16:creationId xmlns:a16="http://schemas.microsoft.com/office/drawing/2014/main" id="{5D51340F-8C64-EB18-D5BB-7FA35501757D}"/>
-              </a:ext>
-            </a:extLst>
-          </p:cNvPr>
-          <p:cNvSpPr/>
-          <p:nvPr/>
-        </p:nvSpPr>
-        <p:spPr>
-          <a:xfrm>
-            <a:off x="9480415" y="3359510"/>
-            <a:ext cx="208775" cy="184887"/>
-          </a:xfrm>
-          <a:prstGeom prst="ellipse">
-            <a:avLst/>
-          </a:prstGeom>
-          <a:solidFill>
-            <a:srgbClr val="00B050"/>
-          </a:solidFill>
-          <a:ln>
-            <a:noFill/>
-          </a:ln>
-        </p:spPr>
-        <p:style>
-          <a:lnRef idx="2">
-            <a:schemeClr val="accent1">
-              <a:shade val="15000"/>
-            </a:schemeClr>
-          </a:lnRef>
-          <a:fillRef idx="1">
-            <a:schemeClr val="accent1"/>
-          </a:fillRef>
-          <a:effectRef idx="0">
-            <a:schemeClr val="accent1"/>
-          </a:effectRef>
-          <a:fontRef idx="minor">
-            <a:schemeClr val="lt1"/>
-          </a:fontRef>
-        </p:style>
-        <p:txBody>
-          <a:bodyPr rtlCol="0" anchor="ctr"/>
-          <a:lstStyle/>
-          <a:p>
-            <a:pPr algn="ctr"/>
-            <a:endParaRPr kumimoji="1" lang="ja-JP" altLang="en-US"/>
-          </a:p>
-        </p:txBody>
-      </p:sp>
-    </p:spTree>
-    <p:extLst>
-      <p:ext uri="{BB962C8B-B14F-4D97-AF65-F5344CB8AC3E}">
-        <p14:creationId xmlns:p14="http://schemas.microsoft.com/office/powerpoint/2010/main" val="1685965935"/>
-      </p:ext>
-    </p:extLst>
-  </p:cSld>
-  <p:clrMapOvr>
-    <a:masterClrMapping/>
-  </p:clrMapOvr>
-</p:sld>
-</file>
-
-<file path=ppt/slides/slide7.xml><?xml version="1.0" encoding="utf-8"?>
-<p:sld xmlns:a="http://schemas.openxmlformats.org/drawingml/2006/main" xmlns:r="http://schemas.openxmlformats.org/officeDocument/2006/relationships" xmlns:p="http://schemas.openxmlformats.org/presentationml/2006/main">
-  <p:cSld>
-    <p:spTree>
-      <p:nvGrpSpPr>
-        <p:cNvPr id="1" name=""/>
-        <p:cNvGrpSpPr/>
-        <p:nvPr/>
-      </p:nvGrpSpPr>
-      <p:grpSpPr>
-        <a:xfrm>
-          <a:off x="0" y="0"/>
-          <a:ext cx="0" cy="0"/>
-          <a:chOff x="0" y="0"/>
-          <a:chExt cx="0" cy="0"/>
-        </a:xfrm>
-      </p:grpSpPr>
-      <p:sp>
-        <p:nvSpPr>
-          <p:cNvPr id="2" name="タイトル 1">
-            <a:extLst>
-              <a:ext uri="{FF2B5EF4-FFF2-40B4-BE49-F238E27FC236}">
-                <a16:creationId xmlns:a16="http://schemas.microsoft.com/office/drawing/2014/main" id="{BCAE2A3D-850B-CD00-D101-A7ACEB1DFDCF}"/>
-              </a:ext>
-            </a:extLst>
-          </p:cNvPr>
-          <p:cNvSpPr>
-            <a:spLocks noGrp="1"/>
-          </p:cNvSpPr>
-          <p:nvPr>
-            <p:ph type="title"/>
-          </p:nvPr>
-        </p:nvSpPr>
-        <p:spPr/>
-        <p:txBody>
-          <a:bodyPr/>
-          <a:lstStyle/>
-          <a:p>
-            <a:r>
-              <a:rPr kumimoji="1" lang="ja-JP" altLang="en-US"/>
-              <a:t>リッジ</a:t>
-            </a:r>
-            <a:r>
-              <a:rPr kumimoji="1" lang="en-US" altLang="ja-JP"/>
-              <a:t>(Ridge)</a:t>
-            </a:r>
-            <a:r>
-              <a:rPr kumimoji="1" lang="ja-JP" altLang="en-US"/>
-              <a:t>回帰</a:t>
-            </a:r>
-          </a:p>
-        </p:txBody>
-      </p:sp>
-      <p:sp>
-        <p:nvSpPr>
-          <p:cNvPr id="3" name="コンテンツ プレースホルダー 2">
-            <a:extLst>
-              <a:ext uri="{FF2B5EF4-FFF2-40B4-BE49-F238E27FC236}">
-                <a16:creationId xmlns:a16="http://schemas.microsoft.com/office/drawing/2014/main" id="{84D4350F-6D30-C4B4-86D5-66EC244050FE}"/>
-              </a:ext>
-            </a:extLst>
-          </p:cNvPr>
-          <p:cNvSpPr>
-            <a:spLocks noGrp="1"/>
-          </p:cNvSpPr>
-          <p:nvPr>
-            <p:ph idx="1"/>
-          </p:nvPr>
-        </p:nvSpPr>
-        <p:spPr>
-          <a:xfrm>
-            <a:off x="838200" y="1825625"/>
-            <a:ext cx="7239104" cy="4351338"/>
-          </a:xfrm>
-        </p:spPr>
-        <p:txBody>
-          <a:bodyPr>
-            <a:normAutofit fontScale="85000" lnSpcReduction="20000"/>
-          </a:bodyPr>
-          <a:lstStyle/>
-          <a:p>
-            <a:r>
-              <a:rPr kumimoji="1" lang="ja-JP" altLang="en-US"/>
-              <a:t>ペナルティ項</a:t>
-            </a:r>
-            <a:r>
-              <a:rPr lang="ja-JP" altLang="en-US"/>
-              <a:t>が各説明変数の係数の二乗和（係数ベクトルの</a:t>
-            </a:r>
-            <a:r>
-              <a:rPr lang="en-US" altLang="ja-JP"/>
-              <a:t>L2</a:t>
-            </a:r>
-            <a:r>
-              <a:rPr lang="ja-JP" altLang="en-US"/>
-              <a:t>距離、ユークリッド距離）</a:t>
-            </a:r>
-            <a:endParaRPr kumimoji="1" lang="ja-JP" altLang="en-US"/>
-          </a:p>
-          <a:p>
-            <a:endParaRPr lang="en-US" altLang="ja-JP"/>
-          </a:p>
-          <a:p>
-            <a:r>
-              <a:rPr lang="ja-JP" altLang="en-US"/>
-              <a:t>線形回帰の場合、損失関数にペナルティ項を入れた最小化の対象は</a:t>
-            </a:r>
-            <a:endParaRPr lang="en-US" altLang="ja-JP"/>
-          </a:p>
-          <a:p>
-            <a:pPr marL="0" indent="0">
-              <a:buNone/>
-            </a:pPr>
-            <a:r>
-              <a:rPr lang="en-US" altLang="ja-JP"/>
-              <a:t>		</a:t>
-            </a:r>
-            <a:r>
-              <a:rPr lang="en-US" altLang="ja-JP" err="1"/>
-              <a:t>Σ</a:t>
-            </a:r>
-            <a:r>
-              <a:rPr lang="en-US" altLang="ja-JP"/>
-              <a:t>(</a:t>
-            </a:r>
-            <a:r>
-              <a:rPr lang="en-US" altLang="ja-JP" err="1"/>
-              <a:t>y</a:t>
-            </a:r>
-            <a:r>
-              <a:rPr lang="en-US" altLang="ja-JP" baseline="-25000" err="1"/>
-              <a:t>i</a:t>
-            </a:r>
-            <a:r>
-              <a:rPr lang="en-US" altLang="ja-JP" err="1"/>
-              <a:t>-y</a:t>
-            </a:r>
-            <a:r>
-              <a:rPr lang="en-US" altLang="ja-JP" baseline="-25000" err="1"/>
-              <a:t>i</a:t>
-            </a:r>
-            <a:r>
-              <a:rPr lang="en-US" altLang="ja-JP" baseline="30000"/>
-              <a:t>^</a:t>
-            </a:r>
-            <a:r>
-              <a:rPr lang="en-US" altLang="ja-JP"/>
-              <a:t>)</a:t>
-            </a:r>
-            <a:r>
-              <a:rPr lang="en-US" altLang="ja-JP" baseline="30000"/>
-              <a:t>2 </a:t>
-            </a:r>
-            <a:r>
-              <a:rPr lang="en-US" altLang="ja-JP"/>
-              <a:t>+ </a:t>
-            </a:r>
-            <a:r>
-              <a:rPr lang="en-US" altLang="ja-JP" err="1"/>
-              <a:t>λΣ</a:t>
-            </a:r>
-            <a:r>
-              <a:rPr lang="ja-JP" altLang="en-US"/>
-              <a:t> </a:t>
-            </a:r>
-            <a:r>
-              <a:rPr lang="en-US" altLang="ja-JP"/>
-              <a:t>β</a:t>
-            </a:r>
-            <a:r>
-              <a:rPr lang="en-US" altLang="ja-JP" baseline="-25000"/>
-              <a:t>j</a:t>
-            </a:r>
-            <a:r>
-              <a:rPr lang="en-US" altLang="ja-JP"/>
-              <a:t> </a:t>
-            </a:r>
-            <a:r>
-              <a:rPr lang="en-US" altLang="ja-JP" baseline="30000"/>
-              <a:t>2</a:t>
-            </a:r>
-          </a:p>
-          <a:p>
-            <a:pPr lvl="1"/>
-            <a:r>
-              <a:rPr kumimoji="1" lang="en-US" altLang="ja-JP" err="1"/>
-              <a:t>λ</a:t>
-            </a:r>
-            <a:r>
-              <a:rPr kumimoji="1" lang="ja-JP" altLang="en-US"/>
-              <a:t>の代わりに</a:t>
-            </a:r>
-            <a:r>
-              <a:rPr kumimoji="1" lang="en-US" altLang="ja-JP" err="1"/>
-              <a:t>λ</a:t>
-            </a:r>
-            <a:r>
-              <a:rPr kumimoji="1" lang="en-US" altLang="ja-JP"/>
-              <a:t>/2</a:t>
-            </a:r>
-            <a:r>
-              <a:rPr kumimoji="1" lang="ja-JP" altLang="en-US"/>
-              <a:t>と定式化する場合もある．</a:t>
-            </a:r>
-            <a:endParaRPr kumimoji="1" lang="en-US" altLang="ja-JP"/>
-          </a:p>
-          <a:p>
-            <a:endParaRPr kumimoji="1" lang="en-US" altLang="ja-JP"/>
-          </a:p>
-          <a:p>
-            <a:r>
-              <a:rPr kumimoji="1" lang="ja-JP" altLang="en-US"/>
-              <a:t>説明変数の係数の大きさを小さくする傾向がある．</a:t>
-            </a:r>
-          </a:p>
-          <a:p>
-            <a:endParaRPr lang="en-US" altLang="ja-JP"/>
-          </a:p>
-          <a:p>
-            <a:r>
-              <a:rPr lang="ja-JP" altLang="en-US"/>
-              <a:t>損失関数の等高線とペナルティ項とが接したところで最小化がされる．</a:t>
-            </a:r>
-            <a:endParaRPr lang="en-US" altLang="ja-JP"/>
-          </a:p>
-        </p:txBody>
-      </p:sp>
-      <p:cxnSp>
-        <p:nvCxnSpPr>
-          <p:cNvPr id="5" name="直線コネクタ 4">
-            <a:extLst>
-              <a:ext uri="{FF2B5EF4-FFF2-40B4-BE49-F238E27FC236}">
-                <a16:creationId xmlns:a16="http://schemas.microsoft.com/office/drawing/2014/main" id="{9013C663-B6D8-D05E-AEE3-F29DD92E6565}"/>
-              </a:ext>
-            </a:extLst>
-          </p:cNvPr>
-          <p:cNvCxnSpPr>
-            <a:cxnSpLocks/>
-          </p:cNvCxnSpPr>
-          <p:nvPr/>
-        </p:nvCxnSpPr>
-        <p:spPr>
-          <a:xfrm>
-            <a:off x="8113986" y="4719143"/>
-            <a:ext cx="3752193" cy="0"/>
-          </a:xfrm>
-          <a:prstGeom prst="line">
-            <a:avLst/>
-          </a:prstGeom>
-          <a:ln w="19050"/>
-        </p:spPr>
-        <p:style>
-          <a:lnRef idx="1">
-            <a:schemeClr val="dk1"/>
-          </a:lnRef>
-          <a:fillRef idx="0">
-            <a:schemeClr val="dk1"/>
-          </a:fillRef>
-          <a:effectRef idx="0">
-            <a:schemeClr val="dk1"/>
-          </a:effectRef>
-          <a:fontRef idx="minor">
-            <a:schemeClr val="tx1"/>
-          </a:fontRef>
-        </p:style>
-      </p:cxnSp>
-      <p:cxnSp>
-        <p:nvCxnSpPr>
-          <p:cNvPr id="6" name="直線コネクタ 5">
-            <a:extLst>
-              <a:ext uri="{FF2B5EF4-FFF2-40B4-BE49-F238E27FC236}">
-                <a16:creationId xmlns:a16="http://schemas.microsoft.com/office/drawing/2014/main" id="{15F4E034-3BA8-AC61-3229-BFB5F008DEA7}"/>
-              </a:ext>
-            </a:extLst>
-          </p:cNvPr>
-          <p:cNvCxnSpPr>
-            <a:cxnSpLocks/>
-          </p:cNvCxnSpPr>
-          <p:nvPr/>
-        </p:nvCxnSpPr>
-        <p:spPr>
-          <a:xfrm flipV="1">
-            <a:off x="9585435" y="1954924"/>
-            <a:ext cx="0" cy="4222039"/>
-          </a:xfrm>
-          <a:prstGeom prst="line">
-            <a:avLst/>
-          </a:prstGeom>
-          <a:ln w="19050"/>
-        </p:spPr>
-        <p:style>
-          <a:lnRef idx="1">
-            <a:schemeClr val="dk1"/>
-          </a:lnRef>
-          <a:fillRef idx="0">
-            <a:schemeClr val="dk1"/>
-          </a:fillRef>
-          <a:effectRef idx="0">
-            <a:schemeClr val="dk1"/>
-          </a:effectRef>
-          <a:fontRef idx="minor">
-            <a:schemeClr val="tx1"/>
-          </a:fontRef>
-        </p:style>
-      </p:cxnSp>
-      <p:sp>
-        <p:nvSpPr>
-          <p:cNvPr id="11" name="円/楕円 10">
-            <a:extLst>
-              <a:ext uri="{FF2B5EF4-FFF2-40B4-BE49-F238E27FC236}">
-                <a16:creationId xmlns:a16="http://schemas.microsoft.com/office/drawing/2014/main" id="{E10DA9F7-B7BA-D2A9-4DB0-B61EA2A6E36D}"/>
-              </a:ext>
-            </a:extLst>
-          </p:cNvPr>
-          <p:cNvSpPr/>
-          <p:nvPr/>
-        </p:nvSpPr>
-        <p:spPr>
-          <a:xfrm rot="19372636">
-            <a:off x="10099908" y="1971162"/>
-            <a:ext cx="1405674" cy="2178033"/>
-          </a:xfrm>
-          <a:prstGeom prst="ellipse">
-            <a:avLst/>
-          </a:prstGeom>
-          <a:noFill/>
-          <a:ln>
-            <a:solidFill>
-              <a:srgbClr val="FF0000"/>
-            </a:solidFill>
-            <a:prstDash val="dash"/>
-          </a:ln>
-        </p:spPr>
-        <p:style>
-          <a:lnRef idx="2">
-            <a:schemeClr val="accent1">
-              <a:shade val="15000"/>
-            </a:schemeClr>
-          </a:lnRef>
-          <a:fillRef idx="1">
-            <a:schemeClr val="accent1"/>
-          </a:fillRef>
-          <a:effectRef idx="0">
-            <a:schemeClr val="accent1"/>
-          </a:effectRef>
-          <a:fontRef idx="minor">
-            <a:schemeClr val="lt1"/>
-          </a:fontRef>
-        </p:style>
-        <p:txBody>
-          <a:bodyPr rtlCol="0" anchor="ctr"/>
-          <a:lstStyle/>
-          <a:p>
-            <a:pPr algn="ctr"/>
-            <a:endParaRPr kumimoji="1" lang="ja-JP" altLang="en-US"/>
-          </a:p>
-        </p:txBody>
-      </p:sp>
-      <p:sp>
-        <p:nvSpPr>
-          <p:cNvPr id="12" name="円/楕円 11">
-            <a:extLst>
-              <a:ext uri="{FF2B5EF4-FFF2-40B4-BE49-F238E27FC236}">
-                <a16:creationId xmlns:a16="http://schemas.microsoft.com/office/drawing/2014/main" id="{C6206C9E-BC6D-BF8A-BEE5-94E9FBF5409A}"/>
-              </a:ext>
-            </a:extLst>
-          </p:cNvPr>
-          <p:cNvSpPr/>
-          <p:nvPr/>
-        </p:nvSpPr>
-        <p:spPr>
-          <a:xfrm rot="19372636">
-            <a:off x="10431057" y="2213804"/>
-            <a:ext cx="864613" cy="1652607"/>
-          </a:xfrm>
-          <a:prstGeom prst="ellipse">
-            <a:avLst/>
-          </a:prstGeom>
-          <a:noFill/>
-          <a:ln>
-            <a:solidFill>
-              <a:srgbClr val="FF0000"/>
-            </a:solidFill>
-            <a:prstDash val="dash"/>
-          </a:ln>
-        </p:spPr>
-        <p:style>
-          <a:lnRef idx="2">
-            <a:schemeClr val="accent1">
-              <a:shade val="15000"/>
-            </a:schemeClr>
-          </a:lnRef>
-          <a:fillRef idx="1">
-            <a:schemeClr val="accent1"/>
-          </a:fillRef>
-          <a:effectRef idx="0">
-            <a:schemeClr val="accent1"/>
-          </a:effectRef>
-          <a:fontRef idx="minor">
-            <a:schemeClr val="lt1"/>
-          </a:fontRef>
-        </p:style>
-        <p:txBody>
-          <a:bodyPr rtlCol="0" anchor="ctr"/>
-          <a:lstStyle/>
-          <a:p>
-            <a:pPr algn="ctr"/>
-            <a:endParaRPr kumimoji="1" lang="ja-JP" altLang="en-US"/>
-          </a:p>
-        </p:txBody>
-      </p:sp>
-      <p:sp>
-        <p:nvSpPr>
-          <p:cNvPr id="13" name="円/楕円 12">
-            <a:extLst>
-              <a:ext uri="{FF2B5EF4-FFF2-40B4-BE49-F238E27FC236}">
-                <a16:creationId xmlns:a16="http://schemas.microsoft.com/office/drawing/2014/main" id="{2B1B26CC-40F0-2CC1-3AB4-E4D6127CF824}"/>
-              </a:ext>
-            </a:extLst>
-          </p:cNvPr>
-          <p:cNvSpPr/>
-          <p:nvPr/>
-        </p:nvSpPr>
-        <p:spPr>
-          <a:xfrm rot="19372636">
-            <a:off x="9912501" y="1619978"/>
-            <a:ext cx="1798331" cy="2874746"/>
-          </a:xfrm>
-          <a:prstGeom prst="ellipse">
-            <a:avLst/>
-          </a:prstGeom>
-          <a:noFill/>
-          <a:ln>
-            <a:solidFill>
-              <a:srgbClr val="FF0000"/>
-            </a:solidFill>
-            <a:prstDash val="dash"/>
-          </a:ln>
-        </p:spPr>
-        <p:style>
-          <a:lnRef idx="2">
-            <a:schemeClr val="accent1">
-              <a:shade val="15000"/>
-            </a:schemeClr>
-          </a:lnRef>
-          <a:fillRef idx="1">
-            <a:schemeClr val="accent1"/>
-          </a:fillRef>
-          <a:effectRef idx="0">
-            <a:schemeClr val="accent1"/>
-          </a:effectRef>
-          <a:fontRef idx="minor">
-            <a:schemeClr val="lt1"/>
-          </a:fontRef>
-        </p:style>
-        <p:txBody>
-          <a:bodyPr rtlCol="0" anchor="ctr"/>
-          <a:lstStyle/>
-          <a:p>
-            <a:pPr algn="ctr"/>
-            <a:endParaRPr kumimoji="1" lang="ja-JP" altLang="en-US"/>
-          </a:p>
-        </p:txBody>
-      </p:sp>
-      <p:sp>
-        <p:nvSpPr>
-          <p:cNvPr id="14" name="円/楕円 13">
-            <a:extLst>
-              <a:ext uri="{FF2B5EF4-FFF2-40B4-BE49-F238E27FC236}">
-                <a16:creationId xmlns:a16="http://schemas.microsoft.com/office/drawing/2014/main" id="{EA9DB2C4-7DB8-C1A0-BD2E-ACB0B09A81C5}"/>
-              </a:ext>
-            </a:extLst>
-          </p:cNvPr>
-          <p:cNvSpPr/>
-          <p:nvPr/>
-        </p:nvSpPr>
-        <p:spPr>
-          <a:xfrm>
-            <a:off x="10736911" y="2914828"/>
-            <a:ext cx="208775" cy="184887"/>
-          </a:xfrm>
-          <a:prstGeom prst="ellipse">
-            <a:avLst/>
-          </a:prstGeom>
-          <a:solidFill>
-            <a:srgbClr val="FF0000"/>
-          </a:solidFill>
-          <a:ln>
-            <a:noFill/>
-          </a:ln>
-        </p:spPr>
-        <p:style>
-          <a:lnRef idx="2">
-            <a:schemeClr val="accent1">
-              <a:shade val="15000"/>
-            </a:schemeClr>
-          </a:lnRef>
-          <a:fillRef idx="1">
-            <a:schemeClr val="accent1"/>
-          </a:fillRef>
-          <a:effectRef idx="0">
-            <a:schemeClr val="accent1"/>
-          </a:effectRef>
-          <a:fontRef idx="minor">
-            <a:schemeClr val="lt1"/>
-          </a:fontRef>
-        </p:style>
-        <p:txBody>
-          <a:bodyPr rtlCol="0" anchor="ctr"/>
-          <a:lstStyle/>
-          <a:p>
-            <a:pPr algn="ctr"/>
-            <a:endParaRPr kumimoji="1" lang="ja-JP" altLang="en-US"/>
-          </a:p>
-        </p:txBody>
-      </p:sp>
-      <p:cxnSp>
-        <p:nvCxnSpPr>
-          <p:cNvPr id="16" name="直線矢印コネクタ 15">
-            <a:extLst>
-              <a:ext uri="{FF2B5EF4-FFF2-40B4-BE49-F238E27FC236}">
-                <a16:creationId xmlns:a16="http://schemas.microsoft.com/office/drawing/2014/main" id="{4207B144-C1AA-9A40-7774-0453354B8162}"/>
-              </a:ext>
-            </a:extLst>
-          </p:cNvPr>
-          <p:cNvCxnSpPr>
-            <a:cxnSpLocks/>
-            <a:stCxn id="17" idx="2"/>
-          </p:cNvCxnSpPr>
-          <p:nvPr/>
-        </p:nvCxnSpPr>
-        <p:spPr>
-          <a:xfrm flipH="1">
-            <a:off x="10934733" y="1704144"/>
-            <a:ext cx="457721" cy="1221949"/>
-          </a:xfrm>
-          <a:prstGeom prst="straightConnector1">
-            <a:avLst/>
-          </a:prstGeom>
-          <a:ln>
-            <a:tailEnd type="triangle"/>
-          </a:ln>
-        </p:spPr>
-        <p:style>
-          <a:lnRef idx="1">
-            <a:schemeClr val="accent6"/>
-          </a:lnRef>
-          <a:fillRef idx="0">
-            <a:schemeClr val="accent6"/>
-          </a:fillRef>
-          <a:effectRef idx="0">
-            <a:schemeClr val="accent6"/>
-          </a:effectRef>
-          <a:fontRef idx="minor">
-            <a:schemeClr val="tx1"/>
-          </a:fontRef>
-        </p:style>
-      </p:cxnSp>
-      <p:sp>
-        <p:nvSpPr>
-          <p:cNvPr id="17" name="テキスト ボックス 16">
-            <a:extLst>
-              <a:ext uri="{FF2B5EF4-FFF2-40B4-BE49-F238E27FC236}">
-                <a16:creationId xmlns:a16="http://schemas.microsoft.com/office/drawing/2014/main" id="{44C33030-B26D-54D8-E691-1C21918D8C86}"/>
-              </a:ext>
-            </a:extLst>
-          </p:cNvPr>
-          <p:cNvSpPr txBox="1"/>
-          <p:nvPr/>
-        </p:nvSpPr>
-        <p:spPr>
-          <a:xfrm>
-            <a:off x="10723040" y="1057813"/>
-            <a:ext cx="1338828" cy="646331"/>
-          </a:xfrm>
-          <a:prstGeom prst="rect">
-            <a:avLst/>
-          </a:prstGeom>
-          <a:noFill/>
-        </p:spPr>
-        <p:txBody>
-          <a:bodyPr wrap="none" rtlCol="0">
-            <a:spAutoFit/>
-          </a:bodyPr>
-          <a:lstStyle/>
-          <a:p>
-            <a:r>
-              <a:rPr kumimoji="1" lang="ja-JP" altLang="en-US"/>
-              <a:t>損失関数の</a:t>
-            </a:r>
-            <a:endParaRPr kumimoji="1" lang="en-US" altLang="ja-JP"/>
-          </a:p>
-          <a:p>
-            <a:r>
-              <a:rPr lang="ja-JP" altLang="en-US"/>
-              <a:t>最小値</a:t>
-            </a:r>
-            <a:endParaRPr kumimoji="1" lang="ja-JP" altLang="en-US"/>
-          </a:p>
-        </p:txBody>
-      </p:sp>
-      <p:cxnSp>
-        <p:nvCxnSpPr>
-          <p:cNvPr id="19" name="直線矢印コネクタ 18">
-            <a:extLst>
-              <a:ext uri="{FF2B5EF4-FFF2-40B4-BE49-F238E27FC236}">
-                <a16:creationId xmlns:a16="http://schemas.microsoft.com/office/drawing/2014/main" id="{59D93B9C-B4C4-8DDA-D8D1-39184C75078A}"/>
-              </a:ext>
-            </a:extLst>
-          </p:cNvPr>
-          <p:cNvCxnSpPr>
-            <a:cxnSpLocks/>
-            <a:stCxn id="22" idx="0"/>
-          </p:cNvCxnSpPr>
-          <p:nvPr/>
-        </p:nvCxnSpPr>
-        <p:spPr>
-          <a:xfrm flipV="1">
-            <a:off x="11469216" y="4353013"/>
-            <a:ext cx="27234" cy="831953"/>
-          </a:xfrm>
-          <a:prstGeom prst="straightConnector1">
-            <a:avLst/>
-          </a:prstGeom>
-          <a:ln>
-            <a:tailEnd type="triangle"/>
-          </a:ln>
-        </p:spPr>
-        <p:style>
-          <a:lnRef idx="1">
-            <a:schemeClr val="accent6"/>
-          </a:lnRef>
-          <a:fillRef idx="0">
-            <a:schemeClr val="accent6"/>
-          </a:fillRef>
-          <a:effectRef idx="0">
-            <a:schemeClr val="accent6"/>
-          </a:effectRef>
-          <a:fontRef idx="minor">
-            <a:schemeClr val="tx1"/>
-          </a:fontRef>
-        </p:style>
-      </p:cxnSp>
-      <p:sp>
-        <p:nvSpPr>
-          <p:cNvPr id="22" name="テキスト ボックス 21">
-            <a:extLst>
-              <a:ext uri="{FF2B5EF4-FFF2-40B4-BE49-F238E27FC236}">
-                <a16:creationId xmlns:a16="http://schemas.microsoft.com/office/drawing/2014/main" id="{7631EE73-15F5-0AD5-A20B-EAA9F56EB20B}"/>
-              </a:ext>
-            </a:extLst>
-          </p:cNvPr>
-          <p:cNvSpPr txBox="1"/>
-          <p:nvPr/>
-        </p:nvSpPr>
-        <p:spPr>
-          <a:xfrm>
-            <a:off x="10684386" y="5184966"/>
-            <a:ext cx="1569660" cy="923330"/>
-          </a:xfrm>
-          <a:prstGeom prst="rect">
-            <a:avLst/>
-          </a:prstGeom>
-          <a:noFill/>
-        </p:spPr>
-        <p:txBody>
-          <a:bodyPr wrap="none" rtlCol="0">
-            <a:spAutoFit/>
-          </a:bodyPr>
-          <a:lstStyle/>
-          <a:p>
-            <a:r>
-              <a:rPr kumimoji="1" lang="ja-JP" altLang="en-US"/>
-              <a:t>損失関数が</a:t>
-            </a:r>
-            <a:endParaRPr kumimoji="1" lang="en-US" altLang="ja-JP"/>
-          </a:p>
-          <a:p>
-            <a:r>
-              <a:rPr kumimoji="1" lang="ja-JP" altLang="en-US"/>
-              <a:t>同じ値をとる</a:t>
-            </a:r>
-            <a:endParaRPr kumimoji="1" lang="en-US" altLang="ja-JP"/>
-          </a:p>
-          <a:p>
-            <a:r>
-              <a:rPr lang="ja-JP" altLang="en-US"/>
-              <a:t>等高線</a:t>
-            </a:r>
-            <a:endParaRPr kumimoji="1" lang="ja-JP" altLang="en-US"/>
-          </a:p>
-        </p:txBody>
-      </p:sp>
-      <p:sp>
-        <p:nvSpPr>
-          <p:cNvPr id="26" name="円/楕円 25">
-            <a:extLst>
-              <a:ext uri="{FF2B5EF4-FFF2-40B4-BE49-F238E27FC236}">
-                <a16:creationId xmlns:a16="http://schemas.microsoft.com/office/drawing/2014/main" id="{8661FB76-5307-991B-2BA7-199A71560C64}"/>
-              </a:ext>
-            </a:extLst>
-          </p:cNvPr>
-          <p:cNvSpPr/>
-          <p:nvPr/>
-        </p:nvSpPr>
-        <p:spPr>
-          <a:xfrm rot="19372636">
-            <a:off x="9622146" y="1131859"/>
-            <a:ext cx="2421923" cy="3956241"/>
-          </a:xfrm>
-          <a:prstGeom prst="ellipse">
-            <a:avLst/>
-          </a:prstGeom>
-          <a:noFill/>
-          <a:ln>
-            <a:solidFill>
-              <a:srgbClr val="FF0000"/>
-            </a:solidFill>
-            <a:prstDash val="dash"/>
-          </a:ln>
-        </p:spPr>
-        <p:style>
-          <a:lnRef idx="2">
-            <a:schemeClr val="accent1">
-              <a:shade val="15000"/>
-            </a:schemeClr>
-          </a:lnRef>
-          <a:fillRef idx="1">
-            <a:schemeClr val="accent1"/>
-          </a:fillRef>
-          <a:effectRef idx="0">
-            <a:schemeClr val="accent1"/>
-          </a:effectRef>
-          <a:fontRef idx="minor">
-            <a:schemeClr val="lt1"/>
-          </a:fontRef>
-        </p:style>
-        <p:txBody>
-          <a:bodyPr rtlCol="0" anchor="ctr"/>
-          <a:lstStyle/>
-          <a:p>
-            <a:pPr algn="ctr"/>
-            <a:endParaRPr kumimoji="1" lang="ja-JP" altLang="en-US"/>
-          </a:p>
-        </p:txBody>
-      </p:sp>
-      <p:sp>
-        <p:nvSpPr>
-          <p:cNvPr id="29" name="テキスト ボックス 28">
-            <a:extLst>
-              <a:ext uri="{FF2B5EF4-FFF2-40B4-BE49-F238E27FC236}">
-                <a16:creationId xmlns:a16="http://schemas.microsoft.com/office/drawing/2014/main" id="{F94A509B-70D1-11D1-7F5B-99F529040BF3}"/>
-              </a:ext>
-            </a:extLst>
-          </p:cNvPr>
-          <p:cNvSpPr txBox="1"/>
-          <p:nvPr/>
-        </p:nvSpPr>
-        <p:spPr>
-          <a:xfrm>
-            <a:off x="9331111" y="6192051"/>
-            <a:ext cx="500458" cy="369332"/>
-          </a:xfrm>
-          <a:prstGeom prst="rect">
-            <a:avLst/>
-          </a:prstGeom>
-          <a:noFill/>
-        </p:spPr>
-        <p:txBody>
-          <a:bodyPr wrap="none" rtlCol="0">
-            <a:spAutoFit/>
-          </a:bodyPr>
-          <a:lstStyle/>
-          <a:p>
-            <a:r>
-              <a:rPr kumimoji="1" lang="en-US" altLang="ja-JP"/>
-              <a:t>β</a:t>
-            </a:r>
-            <a:r>
-              <a:rPr kumimoji="1" lang="en-US" altLang="ja-JP" baseline="-25000"/>
-              <a:t>1</a:t>
-            </a:r>
-            <a:endParaRPr kumimoji="1" lang="ja-JP" altLang="en-US" baseline="-25000"/>
-          </a:p>
-        </p:txBody>
-      </p:sp>
-      <p:sp>
-        <p:nvSpPr>
-          <p:cNvPr id="31" name="テキスト ボックス 30">
-            <a:extLst>
-              <a:ext uri="{FF2B5EF4-FFF2-40B4-BE49-F238E27FC236}">
-                <a16:creationId xmlns:a16="http://schemas.microsoft.com/office/drawing/2014/main" id="{85D0CB05-212A-FC09-9977-818F8D4ED11F}"/>
-              </a:ext>
-            </a:extLst>
-          </p:cNvPr>
-          <p:cNvSpPr txBox="1"/>
-          <p:nvPr/>
-        </p:nvSpPr>
-        <p:spPr>
-          <a:xfrm>
-            <a:off x="11696046" y="4746432"/>
-            <a:ext cx="500458" cy="369332"/>
-          </a:xfrm>
-          <a:prstGeom prst="rect">
-            <a:avLst/>
-          </a:prstGeom>
-          <a:noFill/>
-        </p:spPr>
-        <p:txBody>
-          <a:bodyPr wrap="none" rtlCol="0">
-            <a:spAutoFit/>
-          </a:bodyPr>
-          <a:lstStyle/>
-          <a:p>
-            <a:r>
-              <a:rPr kumimoji="1" lang="en-US" altLang="ja-JP"/>
-              <a:t>β</a:t>
-            </a:r>
-            <a:r>
-              <a:rPr kumimoji="1" lang="en-US" altLang="ja-JP" baseline="-25000"/>
-              <a:t>2</a:t>
-            </a:r>
-            <a:endParaRPr kumimoji="1" lang="ja-JP" altLang="en-US" baseline="-25000"/>
-          </a:p>
-        </p:txBody>
-      </p:sp>
-      <p:sp>
-        <p:nvSpPr>
           <p:cNvPr id="7" name="円/楕円 6">
             <a:extLst>
               <a:ext uri="{FF2B5EF4-FFF2-40B4-BE49-F238E27FC236}">
@@ -8469,232 +8785,6 @@
 </p:sld>
 </file>
 
-<file path=ppt/slides/slide8.xml><?xml version="1.0" encoding="utf-8"?>
-<p:sld xmlns:a="http://schemas.openxmlformats.org/drawingml/2006/main" xmlns:r="http://schemas.openxmlformats.org/officeDocument/2006/relationships" xmlns:p="http://schemas.openxmlformats.org/presentationml/2006/main">
-  <p:cSld>
-    <p:spTree>
-      <p:nvGrpSpPr>
-        <p:cNvPr id="1" name=""/>
-        <p:cNvGrpSpPr/>
-        <p:nvPr/>
-      </p:nvGrpSpPr>
-      <p:grpSpPr>
-        <a:xfrm>
-          <a:off x="0" y="0"/>
-          <a:ext cx="0" cy="0"/>
-          <a:chOff x="0" y="0"/>
-          <a:chExt cx="0" cy="0"/>
-        </a:xfrm>
-      </p:grpSpPr>
-      <p:sp>
-        <p:nvSpPr>
-          <p:cNvPr id="2" name="タイトル 1">
-            <a:extLst>
-              <a:ext uri="{FF2B5EF4-FFF2-40B4-BE49-F238E27FC236}">
-                <a16:creationId xmlns:a16="http://schemas.microsoft.com/office/drawing/2014/main" id="{12F14742-1FDD-CBED-6861-F2E8EE456D3B}"/>
-              </a:ext>
-            </a:extLst>
-          </p:cNvPr>
-          <p:cNvSpPr>
-            <a:spLocks noGrp="1"/>
-          </p:cNvSpPr>
-          <p:nvPr>
-            <p:ph type="title"/>
-          </p:nvPr>
-        </p:nvSpPr>
-        <p:spPr/>
-        <p:txBody>
-          <a:bodyPr/>
-          <a:lstStyle/>
-          <a:p>
-            <a:r>
-              <a:rPr kumimoji="1" lang="ja-JP" altLang="en-US"/>
-              <a:t>エラスティックネット</a:t>
-            </a:r>
-          </a:p>
-        </p:txBody>
-      </p:sp>
-      <p:sp>
-        <p:nvSpPr>
-          <p:cNvPr id="3" name="コンテンツ プレースホルダー 2">
-            <a:extLst>
-              <a:ext uri="{FF2B5EF4-FFF2-40B4-BE49-F238E27FC236}">
-                <a16:creationId xmlns:a16="http://schemas.microsoft.com/office/drawing/2014/main" id="{44AC642B-84FE-1B69-ECAE-914FB804A793}"/>
-              </a:ext>
-            </a:extLst>
-          </p:cNvPr>
-          <p:cNvSpPr>
-            <a:spLocks noGrp="1"/>
-          </p:cNvSpPr>
-          <p:nvPr>
-            <p:ph idx="1"/>
-          </p:nvPr>
-        </p:nvSpPr>
-        <p:spPr/>
-        <p:txBody>
-          <a:bodyPr/>
-          <a:lstStyle/>
-          <a:p>
-            <a:r>
-              <a:rPr kumimoji="1" lang="en-US" altLang="ja-JP"/>
-              <a:t>L1</a:t>
-            </a:r>
-            <a:r>
-              <a:rPr kumimoji="1" lang="ja-JP" altLang="en-US"/>
-              <a:t>正則化と</a:t>
-            </a:r>
-            <a:r>
-              <a:rPr kumimoji="1" lang="en-US" altLang="ja-JP"/>
-              <a:t>L2</a:t>
-            </a:r>
-            <a:r>
-              <a:rPr kumimoji="1" lang="ja-JP" altLang="en-US"/>
-              <a:t>正則化を線形でつないで両者のいいとこ取りをしたもの．</a:t>
-            </a:r>
-            <a:endParaRPr kumimoji="1" lang="en-US" altLang="ja-JP"/>
-          </a:p>
-          <a:p>
-            <a:endParaRPr lang="en-US" altLang="ja-JP"/>
-          </a:p>
-          <a:p>
-            <a:r>
-              <a:rPr lang="ja-JP" altLang="en-US"/>
-              <a:t>線形回帰の場合、損失関数にペナルティ項を入れた最小化の対象は</a:t>
-            </a:r>
-            <a:endParaRPr lang="en-US" altLang="ja-JP"/>
-          </a:p>
-          <a:p>
-            <a:pPr marL="0" indent="0">
-              <a:buNone/>
-            </a:pPr>
-            <a:r>
-              <a:rPr lang="en-US" altLang="ja-JP"/>
-              <a:t>		</a:t>
-            </a:r>
-            <a:r>
-              <a:rPr lang="en-US" altLang="ja-JP" err="1"/>
-              <a:t>Σ</a:t>
-            </a:r>
-            <a:r>
-              <a:rPr lang="en-US" altLang="ja-JP"/>
-              <a:t>(</a:t>
-            </a:r>
-            <a:r>
-              <a:rPr lang="en-US" altLang="ja-JP" err="1"/>
-              <a:t>y</a:t>
-            </a:r>
-            <a:r>
-              <a:rPr lang="en-US" altLang="ja-JP" baseline="-25000" err="1"/>
-              <a:t>i</a:t>
-            </a:r>
-            <a:r>
-              <a:rPr lang="en-US" altLang="ja-JP" err="1"/>
-              <a:t>-y</a:t>
-            </a:r>
-            <a:r>
-              <a:rPr lang="en-US" altLang="ja-JP" baseline="-25000" err="1"/>
-              <a:t>i</a:t>
-            </a:r>
-            <a:r>
-              <a:rPr lang="en-US" altLang="ja-JP" baseline="30000"/>
-              <a:t>^</a:t>
-            </a:r>
-            <a:r>
-              <a:rPr lang="en-US" altLang="ja-JP"/>
-              <a:t>)</a:t>
-            </a:r>
-            <a:r>
-              <a:rPr lang="en-US" altLang="ja-JP" baseline="30000"/>
-              <a:t>2 </a:t>
-            </a:r>
-            <a:r>
-              <a:rPr lang="en-US" altLang="ja-JP"/>
-              <a:t>+ λ</a:t>
-            </a:r>
-            <a:r>
-              <a:rPr lang="en-US" altLang="ja-JP" baseline="-25000"/>
-              <a:t>1</a:t>
-            </a:r>
-            <a:r>
-              <a:rPr lang="en-US" altLang="ja-JP"/>
-              <a:t>Σ</a:t>
-            </a:r>
-            <a:r>
-              <a:rPr lang="ja-JP" altLang="en-US"/>
-              <a:t> </a:t>
-            </a:r>
-            <a:r>
-              <a:rPr lang="en-US" altLang="ja-JP"/>
-              <a:t>|β</a:t>
-            </a:r>
-            <a:r>
-              <a:rPr lang="en-US" altLang="ja-JP" baseline="-25000"/>
-              <a:t>j</a:t>
-            </a:r>
-            <a:r>
-              <a:rPr lang="en-US" altLang="ja-JP"/>
-              <a:t> |+ λ</a:t>
-            </a:r>
-            <a:r>
-              <a:rPr lang="en-US" altLang="ja-JP" baseline="-25000"/>
-              <a:t>2</a:t>
-            </a:r>
-            <a:r>
-              <a:rPr lang="en-US" altLang="ja-JP"/>
-              <a:t>Σ</a:t>
-            </a:r>
-            <a:r>
-              <a:rPr lang="ja-JP" altLang="en-US"/>
-              <a:t> </a:t>
-            </a:r>
-            <a:r>
-              <a:rPr lang="en-US" altLang="ja-JP"/>
-              <a:t>β</a:t>
-            </a:r>
-            <a:r>
-              <a:rPr lang="en-US" altLang="ja-JP" baseline="-25000"/>
-              <a:t>j</a:t>
-            </a:r>
-            <a:r>
-              <a:rPr lang="en-US" altLang="ja-JP"/>
-              <a:t> </a:t>
-            </a:r>
-            <a:r>
-              <a:rPr lang="en-US" altLang="ja-JP" baseline="30000"/>
-              <a:t>2</a:t>
-            </a:r>
-          </a:p>
-          <a:p>
-            <a:pPr marL="0" indent="0">
-              <a:buNone/>
-            </a:pPr>
-            <a:endParaRPr lang="en-US" altLang="ja-JP"/>
-          </a:p>
-          <a:p>
-            <a:r>
-              <a:rPr lang="ja-JP" altLang="en-US"/>
-              <a:t>説明変数の数を減らしつつ、係数の絶対値も小さくする．</a:t>
-            </a:r>
-            <a:endParaRPr lang="en-US" altLang="ja-JP"/>
-          </a:p>
-          <a:p>
-            <a:endParaRPr kumimoji="1" lang="ja-JP" altLang="en-US"/>
-          </a:p>
-        </p:txBody>
-      </p:sp>
-    </p:spTree>
-    <p:extLst>
-      <p:ext uri="{BB962C8B-B14F-4D97-AF65-F5344CB8AC3E}">
-        <p14:creationId xmlns:p14="http://schemas.microsoft.com/office/powerpoint/2010/main" val="24135515"/>
-      </p:ext>
-    </p:extLst>
-  </p:cSld>
-  <p:clrMapOvr>
-    <a:masterClrMapping/>
-  </p:clrMapOvr>
-</p:sld>
-</file>
-
 <file path=ppt/slides/slide9.xml><?xml version="1.0" encoding="utf-8"?>
 <p:sld xmlns:a="http://schemas.openxmlformats.org/drawingml/2006/main" xmlns:r="http://schemas.openxmlformats.org/officeDocument/2006/relationships" xmlns:p="http://schemas.openxmlformats.org/presentationml/2006/main">
   <p:cSld>
@@ -8717,7 +8807,7 @@
           <p:cNvPr id="2" name="タイトル 1">
             <a:extLst>
               <a:ext uri="{FF2B5EF4-FFF2-40B4-BE49-F238E27FC236}">
-                <a16:creationId xmlns:a16="http://schemas.microsoft.com/office/drawing/2014/main" id="{3C3CD2A4-5164-0C71-3A79-02B4864BFBDE}"/>
+                <a16:creationId xmlns:a16="http://schemas.microsoft.com/office/drawing/2014/main" id="{12F14742-1FDD-CBED-6861-F2E8EE456D3B}"/>
               </a:ext>
             </a:extLst>
           </p:cNvPr>
@@ -8734,12 +8824,8 @@
           <a:lstStyle/>
           <a:p>
             <a:r>
-              <a:rPr kumimoji="1" lang="en-US" altLang="ja-JP"/>
-              <a:t>R</a:t>
-            </a:r>
-            <a:r>
-              <a:rPr kumimoji="1" lang="ja-JP" altLang="en-US"/>
-              <a:t>で正則化実践</a:t>
+              <a:rPr kumimoji="1" lang="ja-JP" altLang="en-US"/>
+              <a:t>エラスティックネット</a:t>
             </a:r>
           </a:p>
         </p:txBody>
@@ -8749,7 +8835,7 @@
           <p:cNvPr id="3" name="コンテンツ プレースホルダー 2">
             <a:extLst>
               <a:ext uri="{FF2B5EF4-FFF2-40B4-BE49-F238E27FC236}">
-                <a16:creationId xmlns:a16="http://schemas.microsoft.com/office/drawing/2014/main" id="{F23448A0-64B6-27A3-0496-62E637CAF58B}"/>
+                <a16:creationId xmlns:a16="http://schemas.microsoft.com/office/drawing/2014/main" id="{44AC642B-84FE-1B69-ECAE-914FB804A793}"/>
               </a:ext>
             </a:extLst>
           </p:cNvPr>
@@ -8766,122 +8852,156 @@
           <a:lstStyle/>
           <a:p>
             <a:r>
+              <a:rPr kumimoji="1" lang="en-US" altLang="ja-JP"/>
+              <a:t>L1</a:t>
+            </a:r>
+            <a:r>
+              <a:rPr kumimoji="1" lang="ja-JP" altLang="en-US"/>
+              <a:t>正則化と</a:t>
+            </a:r>
+            <a:r>
+              <a:rPr kumimoji="1" lang="en-US" altLang="ja-JP"/>
+              <a:t>L2</a:t>
+            </a:r>
+            <a:r>
+              <a:rPr kumimoji="1" lang="ja-JP" altLang="en-US"/>
+              <a:t>正則化を線形でつないで両者のいいとこ取りをしたもの．</a:t>
+            </a:r>
+            <a:endParaRPr kumimoji="1" lang="en-US" altLang="ja-JP"/>
+          </a:p>
+          <a:p>
+            <a:endParaRPr lang="en-US" altLang="ja-JP"/>
+          </a:p>
+          <a:p>
+            <a:r>
               <a:rPr lang="ja-JP" altLang="en-US"/>
-              <a:t>パッケージ</a:t>
-            </a:r>
-            <a:r>
-              <a:rPr lang="en-US" altLang="ja-JP" dirty="0" err="1"/>
-              <a:t>glmnet</a:t>
+              <a:t>線形回帰の場合、損失関数にペナルティ項を入れた最小化の対象は</a:t>
+            </a:r>
+            <a:endParaRPr lang="en-US" altLang="ja-JP"/>
+          </a:p>
+          <a:p>
+            <a:pPr marL="0" indent="0">
+              <a:buNone/>
+            </a:pPr>
+            <a:r>
+              <a:rPr lang="en-US" altLang="ja-JP"/>
+              <a:t>		</a:t>
+            </a:r>
+            <a:r>
+              <a:rPr lang="en-US" altLang="ja-JP" err="1"/>
+              <a:t>Σ</a:t>
+            </a:r>
+            <a:r>
+              <a:rPr lang="en-US" altLang="ja-JP"/>
+              <a:t>(</a:t>
+            </a:r>
+            <a:r>
+              <a:rPr lang="en-US" altLang="ja-JP" err="1"/>
+              <a:t>y</a:t>
+            </a:r>
+            <a:r>
+              <a:rPr lang="en-US" altLang="ja-JP" baseline="-25000" err="1"/>
+              <a:t>i</a:t>
+            </a:r>
+            <a:r>
+              <a:rPr lang="en-US" altLang="ja-JP" err="1"/>
+              <a:t>-y</a:t>
+            </a:r>
+            <a:r>
+              <a:rPr lang="en-US" altLang="ja-JP" baseline="-25000" err="1"/>
+              <a:t>i</a:t>
+            </a:r>
+            <a:r>
+              <a:rPr lang="en-US" altLang="ja-JP" baseline="30000"/>
+              <a:t>^</a:t>
+            </a:r>
+            <a:r>
+              <a:rPr lang="en-US" altLang="ja-JP"/>
+              <a:t>)</a:t>
+            </a:r>
+            <a:r>
+              <a:rPr lang="en-US" altLang="ja-JP" baseline="30000"/>
+              <a:t>2 </a:t>
+            </a:r>
+            <a:r>
+              <a:rPr lang="en-US" altLang="ja-JP"/>
+              <a:t>+ λ</a:t>
+            </a:r>
+            <a:r>
+              <a:rPr lang="en-US" altLang="ja-JP" baseline="-25000"/>
+              <a:t>1</a:t>
+            </a:r>
+            <a:r>
+              <a:rPr lang="en-US" altLang="ja-JP"/>
+              <a:t>Σ</a:t>
             </a:r>
             <a:r>
               <a:rPr lang="ja-JP" altLang="en-US"/>
-              <a:t>にある</a:t>
-            </a:r>
-            <a:r>
-              <a:rPr lang="en-US" altLang="ja-JP" dirty="0" err="1"/>
-              <a:t>cv.glmnet</a:t>
+              <a:t> </a:t>
+            </a:r>
+            <a:r>
+              <a:rPr lang="en-US" altLang="ja-JP"/>
+              <a:t>|β</a:t>
+            </a:r>
+            <a:r>
+              <a:rPr lang="en-US" altLang="ja-JP" baseline="-25000"/>
+              <a:t>j</a:t>
+            </a:r>
+            <a:r>
+              <a:rPr lang="en-US" altLang="ja-JP"/>
+              <a:t> |+ λ</a:t>
+            </a:r>
+            <a:r>
+              <a:rPr lang="en-US" altLang="ja-JP" baseline="-25000"/>
+              <a:t>2</a:t>
+            </a:r>
+            <a:r>
+              <a:rPr lang="en-US" altLang="ja-JP"/>
+              <a:t>Σ</a:t>
             </a:r>
             <a:r>
               <a:rPr lang="ja-JP" altLang="en-US"/>
-              <a:t>関数で正則化回帰ができる．</a:t>
-            </a:r>
-            <a:endParaRPr lang="en-US" altLang="ja-JP" dirty="0"/>
-          </a:p>
-          <a:p>
-            <a:pPr lvl="1"/>
+              <a:t> </a:t>
+            </a:r>
+            <a:r>
+              <a:rPr lang="en-US" altLang="ja-JP"/>
+              <a:t>β</a:t>
+            </a:r>
+            <a:r>
+              <a:rPr lang="en-US" altLang="ja-JP" baseline="-25000"/>
+              <a:t>j</a:t>
+            </a:r>
+            <a:r>
+              <a:rPr lang="en-US" altLang="ja-JP"/>
+              <a:t> </a:t>
+            </a:r>
+            <a:r>
+              <a:rPr lang="en-US" altLang="ja-JP" baseline="30000"/>
+              <a:t>2</a:t>
+            </a:r>
+          </a:p>
+          <a:p>
+            <a:pPr marL="0" indent="0">
+              <a:buNone/>
+            </a:pPr>
+            <a:endParaRPr lang="en-US" altLang="ja-JP"/>
+          </a:p>
+          <a:p>
             <a:r>
               <a:rPr lang="ja-JP" altLang="en-US"/>
-              <a:t>引数のオプション</a:t>
-            </a:r>
-            <a:r>
-              <a:rPr lang="en-US" altLang="ja-JP" dirty="0"/>
-              <a:t>α</a:t>
-            </a:r>
-            <a:r>
-              <a:rPr lang="ja-JP" altLang="en-US"/>
-              <a:t>を</a:t>
-            </a:r>
-            <a:r>
-              <a:rPr lang="en-US" altLang="ja-JP" dirty="0"/>
-              <a:t>1</a:t>
-            </a:r>
-            <a:r>
-              <a:rPr lang="ja-JP" altLang="en-US"/>
-              <a:t>にすると</a:t>
-            </a:r>
-            <a:r>
-              <a:rPr lang="en-US" altLang="ja-JP" dirty="0"/>
-              <a:t>Lasso</a:t>
-            </a:r>
-            <a:r>
-              <a:rPr lang="ja-JP" altLang="en-US"/>
-              <a:t>回帰、</a:t>
-            </a:r>
-            <a:r>
-              <a:rPr lang="en-US" altLang="ja-JP" dirty="0"/>
-              <a:t>α</a:t>
-            </a:r>
-            <a:r>
-              <a:rPr lang="ja-JP" altLang="en-US"/>
-              <a:t>を</a:t>
-            </a:r>
-            <a:r>
-              <a:rPr lang="en-US" altLang="ja-JP" dirty="0"/>
-              <a:t>0</a:t>
-            </a:r>
-            <a:r>
-              <a:rPr lang="ja-JP" altLang="en-US"/>
-              <a:t>にすると</a:t>
-            </a:r>
-            <a:r>
-              <a:rPr lang="en-US" altLang="ja-JP" dirty="0"/>
-              <a:t>Ridge</a:t>
-            </a:r>
-            <a:r>
-              <a:rPr lang="ja-JP" altLang="en-US"/>
-              <a:t>回帰、</a:t>
-            </a:r>
-            <a:r>
-              <a:rPr lang="en-US" altLang="ja-JP" dirty="0"/>
-              <a:t>0</a:t>
-            </a:r>
-            <a:r>
-              <a:rPr lang="ja-JP" altLang="en-US"/>
-              <a:t>＜</a:t>
-            </a:r>
-            <a:r>
-              <a:rPr lang="en-US" altLang="ja-JP" dirty="0"/>
-              <a:t>α</a:t>
-            </a:r>
-            <a:r>
-              <a:rPr lang="ja-JP" altLang="en-US"/>
-              <a:t>＜</a:t>
-            </a:r>
-            <a:r>
-              <a:rPr lang="en-US" altLang="ja-JP" dirty="0"/>
-              <a:t>1</a:t>
-            </a:r>
-            <a:r>
-              <a:rPr lang="ja-JP" altLang="en-US"/>
-              <a:t>にするとエラスティックネットとなる．</a:t>
-            </a:r>
-            <a:endParaRPr lang="en-US" altLang="ja-JP" dirty="0"/>
-          </a:p>
-          <a:p>
-            <a:endParaRPr lang="en-US" altLang="ja-JP" dirty="0"/>
-          </a:p>
-          <a:p>
-            <a:r>
-              <a:rPr kumimoji="1" lang="ja-JP" altLang="en-US"/>
-              <a:t>データを自作してラッソ回帰、リッジ回帰してみよう．</a:t>
-            </a:r>
+              <a:t>説明変数の数を減らしつつ、係数の絶対値も小さくする．</a:t>
+            </a:r>
+            <a:endParaRPr lang="en-US" altLang="ja-JP"/>
+          </a:p>
+          <a:p>
+            <a:endParaRPr kumimoji="1" lang="ja-JP" altLang="en-US"/>
           </a:p>
         </p:txBody>
       </p:sp>
     </p:spTree>
     <p:extLst>
       <p:ext uri="{BB962C8B-B14F-4D97-AF65-F5344CB8AC3E}">
-        <p14:creationId xmlns:p14="http://schemas.microsoft.com/office/powerpoint/2010/main" val="1232461504"/>
+        <p14:creationId xmlns:p14="http://schemas.microsoft.com/office/powerpoint/2010/main" val="24135515"/>
       </p:ext>
     </p:extLst>
   </p:cSld>

--- a/R/スライド/第32回.pptx
+++ b/R/スライド/第32回.pptx
@@ -1009,7 +1009,7 @@
           <a:p>
             <a:fld id="{5ABEB4D2-D167-CC4D-A92F-83A5450ECB41}" type="datetimeFigureOut">
               <a:rPr kumimoji="1" lang="ja-JP" altLang="en-US" smtClean="0"/>
-              <a:t>2023/9/30</a:t>
+              <a:t>2023/10/7</a:t>
             </a:fld>
             <a:endParaRPr kumimoji="1" lang="ja-JP" altLang="en-US"/>
           </a:p>
@@ -1239,7 +1239,7 @@
           <a:p>
             <a:fld id="{5ABEB4D2-D167-CC4D-A92F-83A5450ECB41}" type="datetimeFigureOut">
               <a:rPr kumimoji="1" lang="ja-JP" altLang="en-US" smtClean="0"/>
-              <a:t>2023/9/30</a:t>
+              <a:t>2023/10/7</a:t>
             </a:fld>
             <a:endParaRPr kumimoji="1" lang="ja-JP" altLang="en-US"/>
           </a:p>
@@ -1479,7 +1479,7 @@
           <a:p>
             <a:fld id="{5ABEB4D2-D167-CC4D-A92F-83A5450ECB41}" type="datetimeFigureOut">
               <a:rPr kumimoji="1" lang="ja-JP" altLang="en-US" smtClean="0"/>
-              <a:t>2023/9/30</a:t>
+              <a:t>2023/10/7</a:t>
             </a:fld>
             <a:endParaRPr kumimoji="1" lang="ja-JP" altLang="en-US"/>
           </a:p>
@@ -1709,7 +1709,7 @@
           <a:p>
             <a:fld id="{5ABEB4D2-D167-CC4D-A92F-83A5450ECB41}" type="datetimeFigureOut">
               <a:rPr kumimoji="1" lang="ja-JP" altLang="en-US" smtClean="0"/>
-              <a:t>2023/9/30</a:t>
+              <a:t>2023/10/7</a:t>
             </a:fld>
             <a:endParaRPr kumimoji="1" lang="ja-JP" altLang="en-US"/>
           </a:p>
@@ -1984,7 +1984,7 @@
           <a:p>
             <a:fld id="{5ABEB4D2-D167-CC4D-A92F-83A5450ECB41}" type="datetimeFigureOut">
               <a:rPr kumimoji="1" lang="ja-JP" altLang="en-US" smtClean="0"/>
-              <a:t>2023/9/30</a:t>
+              <a:t>2023/10/7</a:t>
             </a:fld>
             <a:endParaRPr kumimoji="1" lang="ja-JP" altLang="en-US"/>
           </a:p>
@@ -2313,7 +2313,7 @@
           <a:p>
             <a:fld id="{5ABEB4D2-D167-CC4D-A92F-83A5450ECB41}" type="datetimeFigureOut">
               <a:rPr kumimoji="1" lang="ja-JP" altLang="en-US" smtClean="0"/>
-              <a:t>2023/9/30</a:t>
+              <a:t>2023/10/7</a:t>
             </a:fld>
             <a:endParaRPr kumimoji="1" lang="ja-JP" altLang="en-US"/>
           </a:p>
@@ -2789,7 +2789,7 @@
           <a:p>
             <a:fld id="{5ABEB4D2-D167-CC4D-A92F-83A5450ECB41}" type="datetimeFigureOut">
               <a:rPr kumimoji="1" lang="ja-JP" altLang="en-US" smtClean="0"/>
-              <a:t>2023/9/30</a:t>
+              <a:t>2023/10/7</a:t>
             </a:fld>
             <a:endParaRPr kumimoji="1" lang="ja-JP" altLang="en-US"/>
           </a:p>
@@ -2930,7 +2930,7 @@
           <a:p>
             <a:fld id="{5ABEB4D2-D167-CC4D-A92F-83A5450ECB41}" type="datetimeFigureOut">
               <a:rPr kumimoji="1" lang="ja-JP" altLang="en-US" smtClean="0"/>
-              <a:t>2023/9/30</a:t>
+              <a:t>2023/10/7</a:t>
             </a:fld>
             <a:endParaRPr kumimoji="1" lang="ja-JP" altLang="en-US"/>
           </a:p>
@@ -3043,7 +3043,7 @@
           <a:p>
             <a:fld id="{5ABEB4D2-D167-CC4D-A92F-83A5450ECB41}" type="datetimeFigureOut">
               <a:rPr kumimoji="1" lang="ja-JP" altLang="en-US" smtClean="0"/>
-              <a:t>2023/9/30</a:t>
+              <a:t>2023/10/7</a:t>
             </a:fld>
             <a:endParaRPr kumimoji="1" lang="ja-JP" altLang="en-US"/>
           </a:p>
@@ -3386,7 +3386,7 @@
           <a:p>
             <a:fld id="{5ABEB4D2-D167-CC4D-A92F-83A5450ECB41}" type="datetimeFigureOut">
               <a:rPr kumimoji="1" lang="ja-JP" altLang="en-US" smtClean="0"/>
-              <a:t>2023/9/30</a:t>
+              <a:t>2023/10/7</a:t>
             </a:fld>
             <a:endParaRPr kumimoji="1" lang="ja-JP" altLang="en-US"/>
           </a:p>
@@ -3674,7 +3674,7 @@
           <a:p>
             <a:fld id="{5ABEB4D2-D167-CC4D-A92F-83A5450ECB41}" type="datetimeFigureOut">
               <a:rPr kumimoji="1" lang="ja-JP" altLang="en-US" smtClean="0"/>
-              <a:t>2023/9/30</a:t>
+              <a:t>2023/10/7</a:t>
             </a:fld>
             <a:endParaRPr kumimoji="1" lang="ja-JP" altLang="en-US"/>
           </a:p>
@@ -3947,7 +3947,7 @@
           <a:p>
             <a:fld id="{5ABEB4D2-D167-CC4D-A92F-83A5450ECB41}" type="datetimeFigureOut">
               <a:rPr kumimoji="1" lang="ja-JP" altLang="en-US" smtClean="0"/>
-              <a:t>2023/9/30</a:t>
+              <a:t>2023/10/7</a:t>
             </a:fld>
             <a:endParaRPr kumimoji="1" lang="ja-JP" altLang="en-US"/>
           </a:p>
@@ -6844,13 +6844,18 @@
               <a:t>ラッソ</a:t>
             </a:r>
             <a:r>
+              <a:rPr kumimoji="1" lang="en-US" altLang="ja-JP" dirty="0"/>
+              <a:t>(Lasso)</a:t>
+            </a:r>
+            <a:r>
+              <a:rPr kumimoji="1" lang="ja-JP" altLang="en-US"/>
+              <a:t>回帰</a:t>
+            </a:r>
+            <a:r>
               <a:rPr kumimoji="1" lang="en-US" altLang="ja-JP"/>
-              <a:t>(Lasso)</a:t>
-            </a:r>
-            <a:r>
-              <a:rPr kumimoji="1" lang="ja-JP" altLang="en-US"/>
-              <a:t>回帰</a:t>
-            </a:r>
+              <a:t> </a:t>
+            </a:r>
+            <a:endParaRPr kumimoji="1" lang="ja-JP" altLang="en-US"/>
           </a:p>
         </p:txBody>
       </p:sp>
@@ -6891,75 +6896,75 @@
               <a:t>が各説明変数の係数の絶対値の和（係数ベクトルの</a:t>
             </a:r>
             <a:r>
-              <a:rPr lang="en-US" altLang="ja-JP"/>
+              <a:rPr lang="en-US" altLang="ja-JP" dirty="0"/>
               <a:t>L1</a:t>
             </a:r>
             <a:r>
               <a:rPr lang="ja-JP" altLang="en-US"/>
               <a:t>距離、マンハッタン距離）</a:t>
             </a:r>
-            <a:endParaRPr lang="en-US" altLang="ja-JP"/>
-          </a:p>
-          <a:p>
-            <a:endParaRPr lang="en-US" altLang="ja-JP"/>
+            <a:endParaRPr lang="en-US" altLang="ja-JP" dirty="0"/>
+          </a:p>
+          <a:p>
+            <a:endParaRPr lang="en-US" altLang="ja-JP" dirty="0"/>
           </a:p>
           <a:p>
             <a:r>
               <a:rPr lang="ja-JP" altLang="en-US"/>
               <a:t>線形回帰の場合、損失関数にペナルティ項を入れた最小化の対象は</a:t>
             </a:r>
-            <a:endParaRPr lang="en-US" altLang="ja-JP"/>
+            <a:endParaRPr lang="en-US" altLang="ja-JP" dirty="0"/>
           </a:p>
           <a:p>
             <a:pPr marL="0" indent="0">
               <a:buNone/>
             </a:pPr>
             <a:r>
-              <a:rPr lang="en-US" altLang="ja-JP"/>
+              <a:rPr lang="en-US" altLang="ja-JP" dirty="0"/>
               <a:t>		</a:t>
             </a:r>
             <a:r>
-              <a:rPr lang="en-US" altLang="ja-JP" err="1"/>
+              <a:rPr lang="en-US" altLang="ja-JP" dirty="0" err="1"/>
               <a:t>Σ</a:t>
             </a:r>
             <a:r>
-              <a:rPr lang="en-US" altLang="ja-JP"/>
+              <a:rPr lang="en-US" altLang="ja-JP" dirty="0"/>
               <a:t>(</a:t>
             </a:r>
             <a:r>
-              <a:rPr lang="en-US" altLang="ja-JP" err="1"/>
+              <a:rPr lang="en-US" altLang="ja-JP" dirty="0" err="1"/>
               <a:t>y</a:t>
             </a:r>
             <a:r>
-              <a:rPr lang="en-US" altLang="ja-JP" baseline="-25000" err="1"/>
+              <a:rPr lang="en-US" altLang="ja-JP" baseline="-25000" dirty="0" err="1"/>
               <a:t>i</a:t>
             </a:r>
             <a:r>
-              <a:rPr lang="en-US" altLang="ja-JP" err="1"/>
+              <a:rPr lang="en-US" altLang="ja-JP" dirty="0" err="1"/>
               <a:t>-y</a:t>
             </a:r>
             <a:r>
-              <a:rPr lang="en-US" altLang="ja-JP" baseline="-25000" err="1"/>
+              <a:rPr lang="en-US" altLang="ja-JP" baseline="-25000" dirty="0" err="1"/>
               <a:t>i</a:t>
             </a:r>
             <a:r>
-              <a:rPr lang="en-US" altLang="ja-JP" baseline="30000"/>
+              <a:rPr lang="en-US" altLang="ja-JP" baseline="30000" dirty="0"/>
               <a:t>^</a:t>
             </a:r>
             <a:r>
-              <a:rPr lang="en-US" altLang="ja-JP"/>
+              <a:rPr lang="en-US" altLang="ja-JP" dirty="0"/>
               <a:t>)</a:t>
             </a:r>
             <a:r>
-              <a:rPr lang="en-US" altLang="ja-JP" baseline="30000"/>
+              <a:rPr lang="en-US" altLang="ja-JP" baseline="30000" dirty="0"/>
               <a:t>2 </a:t>
             </a:r>
             <a:r>
-              <a:rPr lang="en-US" altLang="ja-JP"/>
+              <a:rPr lang="en-US" altLang="ja-JP" dirty="0"/>
               <a:t>+ </a:t>
             </a:r>
             <a:r>
-              <a:rPr lang="en-US" altLang="ja-JP" err="1"/>
+              <a:rPr lang="en-US" altLang="ja-JP" dirty="0" err="1"/>
               <a:t>λΣ</a:t>
             </a:r>
             <a:r>
@@ -6967,37 +6972,37 @@
               <a:t> </a:t>
             </a:r>
             <a:r>
-              <a:rPr lang="en-US" altLang="ja-JP"/>
+              <a:rPr lang="en-US" altLang="ja-JP" dirty="0"/>
               <a:t>|β</a:t>
             </a:r>
             <a:r>
-              <a:rPr lang="en-US" altLang="ja-JP" baseline="-25000"/>
+              <a:rPr lang="en-US" altLang="ja-JP" baseline="-25000" dirty="0"/>
               <a:t>j</a:t>
             </a:r>
             <a:r>
-              <a:rPr lang="en-US" altLang="ja-JP"/>
+              <a:rPr lang="en-US" altLang="ja-JP" dirty="0"/>
               <a:t> |</a:t>
             </a:r>
           </a:p>
           <a:p>
-            <a:endParaRPr kumimoji="1" lang="en-US" altLang="ja-JP"/>
+            <a:endParaRPr kumimoji="1" lang="en-US" altLang="ja-JP" dirty="0"/>
           </a:p>
           <a:p>
             <a:r>
               <a:rPr kumimoji="1" lang="ja-JP" altLang="en-US"/>
               <a:t>説明変数の係数の大きさを小さくするのではなく、変数の数自体を減らすような選択がなされる傾向がある．</a:t>
             </a:r>
-            <a:endParaRPr kumimoji="1" lang="en-US" altLang="ja-JP"/>
-          </a:p>
-          <a:p>
-            <a:endParaRPr lang="en-US" altLang="ja-JP"/>
+            <a:endParaRPr kumimoji="1" lang="en-US" altLang="ja-JP" dirty="0"/>
+          </a:p>
+          <a:p>
+            <a:endParaRPr lang="en-US" altLang="ja-JP" dirty="0"/>
           </a:p>
           <a:p>
             <a:r>
               <a:rPr lang="ja-JP" altLang="en-US"/>
               <a:t>損失関数の等高線とペナルティ項とが接したところで最小化がされ、おおくの場合は軸上に来る．</a:t>
             </a:r>
-            <a:endParaRPr lang="en-US" altLang="ja-JP"/>
+            <a:endParaRPr lang="en-US" altLang="ja-JP" dirty="0"/>
           </a:p>
         </p:txBody>
       </p:sp>

--- a/R/スライド/第32回.pptx
+++ b/R/スライド/第32回.pptx
@@ -1009,7 +1009,7 @@
           <a:p>
             <a:fld id="{5ABEB4D2-D167-CC4D-A92F-83A5450ECB41}" type="datetimeFigureOut">
               <a:rPr kumimoji="1" lang="ja-JP" altLang="en-US" smtClean="0"/>
-              <a:t>2023/10/7</a:t>
+              <a:t>2023/11/25</a:t>
             </a:fld>
             <a:endParaRPr kumimoji="1" lang="ja-JP" altLang="en-US"/>
           </a:p>
@@ -1239,7 +1239,7 @@
           <a:p>
             <a:fld id="{5ABEB4D2-D167-CC4D-A92F-83A5450ECB41}" type="datetimeFigureOut">
               <a:rPr kumimoji="1" lang="ja-JP" altLang="en-US" smtClean="0"/>
-              <a:t>2023/10/7</a:t>
+              <a:t>2023/11/25</a:t>
             </a:fld>
             <a:endParaRPr kumimoji="1" lang="ja-JP" altLang="en-US"/>
           </a:p>
@@ -1479,7 +1479,7 @@
           <a:p>
             <a:fld id="{5ABEB4D2-D167-CC4D-A92F-83A5450ECB41}" type="datetimeFigureOut">
               <a:rPr kumimoji="1" lang="ja-JP" altLang="en-US" smtClean="0"/>
-              <a:t>2023/10/7</a:t>
+              <a:t>2023/11/25</a:t>
             </a:fld>
             <a:endParaRPr kumimoji="1" lang="ja-JP" altLang="en-US"/>
           </a:p>
@@ -1709,7 +1709,7 @@
           <a:p>
             <a:fld id="{5ABEB4D2-D167-CC4D-A92F-83A5450ECB41}" type="datetimeFigureOut">
               <a:rPr kumimoji="1" lang="ja-JP" altLang="en-US" smtClean="0"/>
-              <a:t>2023/10/7</a:t>
+              <a:t>2023/11/25</a:t>
             </a:fld>
             <a:endParaRPr kumimoji="1" lang="ja-JP" altLang="en-US"/>
           </a:p>
@@ -1984,7 +1984,7 @@
           <a:p>
             <a:fld id="{5ABEB4D2-D167-CC4D-A92F-83A5450ECB41}" type="datetimeFigureOut">
               <a:rPr kumimoji="1" lang="ja-JP" altLang="en-US" smtClean="0"/>
-              <a:t>2023/10/7</a:t>
+              <a:t>2023/11/25</a:t>
             </a:fld>
             <a:endParaRPr kumimoji="1" lang="ja-JP" altLang="en-US"/>
           </a:p>
@@ -2313,7 +2313,7 @@
           <a:p>
             <a:fld id="{5ABEB4D2-D167-CC4D-A92F-83A5450ECB41}" type="datetimeFigureOut">
               <a:rPr kumimoji="1" lang="ja-JP" altLang="en-US" smtClean="0"/>
-              <a:t>2023/10/7</a:t>
+              <a:t>2023/11/25</a:t>
             </a:fld>
             <a:endParaRPr kumimoji="1" lang="ja-JP" altLang="en-US"/>
           </a:p>
@@ -2789,7 +2789,7 @@
           <a:p>
             <a:fld id="{5ABEB4D2-D167-CC4D-A92F-83A5450ECB41}" type="datetimeFigureOut">
               <a:rPr kumimoji="1" lang="ja-JP" altLang="en-US" smtClean="0"/>
-              <a:t>2023/10/7</a:t>
+              <a:t>2023/11/25</a:t>
             </a:fld>
             <a:endParaRPr kumimoji="1" lang="ja-JP" altLang="en-US"/>
           </a:p>
@@ -2930,7 +2930,7 @@
           <a:p>
             <a:fld id="{5ABEB4D2-D167-CC4D-A92F-83A5450ECB41}" type="datetimeFigureOut">
               <a:rPr kumimoji="1" lang="ja-JP" altLang="en-US" smtClean="0"/>
-              <a:t>2023/10/7</a:t>
+              <a:t>2023/11/25</a:t>
             </a:fld>
             <a:endParaRPr kumimoji="1" lang="ja-JP" altLang="en-US"/>
           </a:p>
@@ -3043,7 +3043,7 @@
           <a:p>
             <a:fld id="{5ABEB4D2-D167-CC4D-A92F-83A5450ECB41}" type="datetimeFigureOut">
               <a:rPr kumimoji="1" lang="ja-JP" altLang="en-US" smtClean="0"/>
-              <a:t>2023/10/7</a:t>
+              <a:t>2023/11/25</a:t>
             </a:fld>
             <a:endParaRPr kumimoji="1" lang="ja-JP" altLang="en-US"/>
           </a:p>
@@ -3386,7 +3386,7 @@
           <a:p>
             <a:fld id="{5ABEB4D2-D167-CC4D-A92F-83A5450ECB41}" type="datetimeFigureOut">
               <a:rPr kumimoji="1" lang="ja-JP" altLang="en-US" smtClean="0"/>
-              <a:t>2023/10/7</a:t>
+              <a:t>2023/11/25</a:t>
             </a:fld>
             <a:endParaRPr kumimoji="1" lang="ja-JP" altLang="en-US"/>
           </a:p>
@@ -3674,7 +3674,7 @@
           <a:p>
             <a:fld id="{5ABEB4D2-D167-CC4D-A92F-83A5450ECB41}" type="datetimeFigureOut">
               <a:rPr kumimoji="1" lang="ja-JP" altLang="en-US" smtClean="0"/>
-              <a:t>2023/10/7</a:t>
+              <a:t>2023/11/25</a:t>
             </a:fld>
             <a:endParaRPr kumimoji="1" lang="ja-JP" altLang="en-US"/>
           </a:p>
@@ -3947,7 +3947,7 @@
           <a:p>
             <a:fld id="{5ABEB4D2-D167-CC4D-A92F-83A5450ECB41}" type="datetimeFigureOut">
               <a:rPr kumimoji="1" lang="ja-JP" altLang="en-US" smtClean="0"/>
-              <a:t>2023/10/7</a:t>
+              <a:t>2023/11/25</a:t>
             </a:fld>
             <a:endParaRPr kumimoji="1" lang="ja-JP" altLang="en-US"/>
           </a:p>
@@ -5020,13 +5020,13 @@
         </p:nvSpPr>
         <p:spPr>
           <a:xfrm>
-            <a:off x="838200" y="1825625"/>
-            <a:ext cx="5257800" cy="4351338"/>
+            <a:off x="454085" y="1803877"/>
+            <a:ext cx="5593618" cy="4351338"/>
           </a:xfrm>
         </p:spPr>
         <p:txBody>
           <a:bodyPr>
-            <a:normAutofit lnSpcReduction="10000"/>
+            <a:normAutofit fontScale="92500"/>
           </a:bodyPr>
           <a:lstStyle/>
           <a:p>
@@ -5035,14 +5035,14 @@
               <a:t>線形モデルで過適合する場合、予測を示す曲線は説明変数</a:t>
             </a:r>
             <a:r>
-              <a:rPr lang="en-US" altLang="ja-JP"/>
+              <a:rPr lang="en-US" altLang="ja-JP" dirty="0"/>
               <a:t>X</a:t>
             </a:r>
             <a:r>
               <a:rPr lang="ja-JP" altLang="en-US"/>
               <a:t>のわずかな変化に対して敏感に反応．</a:t>
             </a:r>
-            <a:endParaRPr lang="en-US" altLang="ja-JP"/>
+            <a:endParaRPr lang="en-US" altLang="ja-JP" dirty="0"/>
           </a:p>
           <a:p>
             <a:pPr marL="0" indent="0">
@@ -5050,17 +5050,37 @@
             </a:pPr>
             <a:r>
               <a:rPr lang="ja-JP" altLang="en-US"/>
-              <a:t>　→大きい次数の係数の絶対値が大きい、あるいは説明変数が多い</a:t>
-            </a:r>
-            <a:endParaRPr kumimoji="1" lang="en-US" altLang="ja-JP"/>
-          </a:p>
-          <a:p>
-            <a:endParaRPr kumimoji="1" lang="en-US" altLang="ja-JP"/>
-          </a:p>
-          <a:p>
+              <a:t>　→説明変数が多い、あるいは</a:t>
+            </a:r>
+            <a:endParaRPr lang="en-US" altLang="ja-JP" dirty="0"/>
+          </a:p>
+          <a:p>
+            <a:pPr marL="0" indent="0">
+              <a:buNone/>
+            </a:pPr>
             <a:r>
               <a:rPr lang="ja-JP" altLang="en-US"/>
-              <a:t>係数の大きさに罰則を設ければぐにゃぐにゃと変化することを防げる．</a:t>
+              <a:t>　　大きい次数の係数の</a:t>
+            </a:r>
+            <a:endParaRPr lang="en-US" altLang="ja-JP" dirty="0"/>
+          </a:p>
+          <a:p>
+            <a:pPr marL="0" indent="0">
+              <a:buNone/>
+            </a:pPr>
+            <a:r>
+              <a:rPr lang="ja-JP" altLang="en-US"/>
+              <a:t>　　　絶対値が大きい</a:t>
+            </a:r>
+            <a:endParaRPr kumimoji="1" lang="en-US" altLang="ja-JP" dirty="0"/>
+          </a:p>
+          <a:p>
+            <a:endParaRPr kumimoji="1" lang="en-US" altLang="ja-JP" dirty="0"/>
+          </a:p>
+          <a:p>
+            <a:r>
+              <a:rPr lang="ja-JP" altLang="en-US"/>
+              <a:t>説明変数の数や係数の大きさに罰則を設ければぐにゃぐにゃと変化することを防げる．</a:t>
             </a:r>
             <a:endParaRPr kumimoji="1" lang="ja-JP" altLang="en-US"/>
           </a:p>
